--- a/JavaScript教學及應用_08.22報告.pptx
+++ b/JavaScript教學及應用_08.22報告.pptx
@@ -1305,23 +1305,26 @@
               <a:rPr lang="en-US" altLang="zh-TW" dirty="0" smtClean="0">
                 <a:hlinkClick r:id="rId3"/>
               </a:rPr>
-              <a:t>https://</a:t>
-            </a:r>
-            <a:r>
-              <a:rPr lang="en-US" altLang="zh-TW" smtClean="0">
+              <a:t>https://wcc723.github.io/javascript/2017/12/12/javascript-this</a:t>
+            </a:r>
+            <a:r>
+              <a:rPr lang="en-US" altLang="zh-TW" dirty="0" smtClean="0">
                 <a:hlinkClick r:id="rId3"/>
               </a:rPr>
-              <a:t>wcc723.github.io/javascript/2017/12/12/javascript-this/</a:t>
-            </a:r>
-            <a:r>
-              <a:rPr lang="en-US" altLang="zh-TW" smtClean="0"/>
+              <a:t>/</a:t>
+            </a:r>
+            <a:endParaRPr lang="en-US" altLang="zh-TW" dirty="0" smtClean="0"/>
+          </a:p>
+          <a:p>
+            <a:r>
+              <a:rPr lang="en-US" altLang="zh-TW" dirty="0" smtClean="0"/>
               <a:t/>
             </a:r>
             <a:br>
-              <a:rPr lang="en-US" altLang="zh-TW" smtClean="0"/>
+              <a:rPr lang="en-US" altLang="zh-TW" dirty="0" smtClean="0"/>
             </a:br>
             <a:r>
-              <a:rPr lang="en-US" altLang="zh-TW" smtClean="0">
+              <a:rPr lang="en-US" altLang="zh-TW" dirty="0" smtClean="0">
                 <a:hlinkClick r:id="rId4"/>
               </a:rPr>
               <a:t>https://blog.techbridge.cc/2019/02/23/javascript-this/</a:t>
@@ -1440,8 +1443,17 @@
               <a:rPr lang="en-US" altLang="zh-TW" dirty="0" smtClean="0">
                 <a:hlinkClick r:id="rId3"/>
               </a:rPr>
-              <a:t>https://medium.com/@realdennis/javascript-%E8%81%8A%E8%81%8Acall-apply-bind%E7%9A%84%E5%B7%AE%E7%95%B0%E8%88%87%E7%9B%B8%E4%BC%BC%E4%B9%8B%E8%99%95-2f82a4b4dd66</a:t>
-            </a:r>
+              <a:t>https://medium.com/@realdennis/javascript-%</a:t>
+            </a:r>
+            <a:r>
+              <a:rPr lang="en-US" altLang="zh-TW" dirty="0" smtClean="0">
+                <a:hlinkClick r:id="rId3"/>
+              </a:rPr>
+              <a:t>E8%81%8A%E8%81%8Acall-apply-bind%E7%9A%84%E5%B7%AE%E7%95%B0%E8%88%87%E7%9B%B8%E4%BC%BC%E4%B9%8B%E8%99%95-2f82a4b4dd66</a:t>
+            </a:r>
+            <a:endParaRPr lang="en-US" altLang="zh-TW" dirty="0" smtClean="0"/>
+          </a:p>
+          <a:p>
             <a:endParaRPr lang="en-US" altLang="zh-TW" dirty="0" smtClean="0"/>
           </a:p>
           <a:p>
@@ -1454,11 +1466,22 @@
             <a:endParaRPr lang="en-US" altLang="zh-TW" dirty="0" smtClean="0"/>
           </a:p>
           <a:p>
+            <a:endParaRPr lang="en-US" altLang="zh-TW" dirty="0" smtClean="0">
+              <a:hlinkClick r:id="rId5"/>
+            </a:endParaRPr>
+          </a:p>
+          <a:p>
             <a:r>
               <a:rPr lang="en-US" altLang="zh-TW" dirty="0" smtClean="0">
                 <a:hlinkClick r:id="rId5"/>
               </a:rPr>
-              <a:t>https://ithelp.ithome.com.tw/articles/10195896</a:t>
+              <a:t>https</a:t>
+            </a:r>
+            <a:r>
+              <a:rPr lang="en-US" altLang="zh-TW" dirty="0" smtClean="0">
+                <a:hlinkClick r:id="rId5"/>
+              </a:rPr>
+              <a:t>://ithelp.ithome.com.tw/articles/10195896</a:t>
             </a:r>
             <a:endParaRPr lang="zh-TW" altLang="en-US" dirty="0"/>
           </a:p>
@@ -15950,8 +15973,9 @@
           <a:p>
             <a:r>
               <a:rPr lang="en-US" altLang="zh-TW" dirty="0" smtClean="0"/>
-              <a:t>Scope</a:t>
-            </a:r>
+              <a:t>Scope(Scope chain)</a:t>
+            </a:r>
+            <a:endParaRPr lang="en-US" altLang="zh-TW" dirty="0" smtClean="0"/>
           </a:p>
           <a:p>
             <a:pPr lvl="1"/>
@@ -17153,12 +17177,16 @@
               <a:t>prototype chain</a:t>
             </a:r>
             <a:r>
-              <a:rPr lang="zh-TW" altLang="en-US" dirty="0"/>
+              <a:rPr lang="zh-TW" altLang="en-US"/>
               <a:t>）</a:t>
             </a:r>
             <a:r>
+              <a:rPr lang="zh-TW" altLang="en-US" smtClean="0"/>
+              <a:t>，類似關係</a:t>
+            </a:r>
+            <a:r>
               <a:rPr lang="zh-TW" altLang="en-US" dirty="0" smtClean="0"/>
-              <a:t>，類似基因關係。</a:t>
+              <a:t>。</a:t>
             </a:r>
             <a:endParaRPr lang="en-US" altLang="zh-TW" dirty="0" smtClean="0"/>
           </a:p>
@@ -17177,7 +17205,7 @@
             </a:r>
             <a:r>
               <a:rPr lang="zh-TW" altLang="en-US" dirty="0" smtClean="0"/>
-              <a:t>：指的是</a:t>
+              <a:t>：真正的</a:t>
             </a:r>
             <a:r>
               <a:rPr lang="en-US" altLang="zh-TW" dirty="0" smtClean="0"/>
@@ -17189,11 +17217,11 @@
             </a:r>
             <a:r>
               <a:rPr lang="en-US" altLang="zh-TW" dirty="0" smtClean="0"/>
-              <a:t>”</a:t>
+              <a:t>”object</a:t>
             </a:r>
             <a:r>
               <a:rPr lang="zh-TW" altLang="en-US" dirty="0" smtClean="0"/>
-              <a:t>基因。</a:t>
+              <a:t>。</a:t>
             </a:r>
             <a:endParaRPr lang="zh-TW" altLang="en-US" dirty="0"/>
           </a:p>

--- a/JavaScript教學及應用_08.22報告.pptx
+++ b/JavaScript教學及應用_08.22報告.pptx
@@ -225,7 +225,7 @@
           <a:p>
             <a:fld id="{F6A5054D-4624-444C-9BDA-24BBA8230CF0}" type="datetimeFigureOut">
               <a:rPr lang="zh-TW" altLang="en-US" smtClean="0"/>
-              <a:t>2019/9/16</a:t>
+              <a:t>2019/9/24</a:t>
             </a:fld>
             <a:endParaRPr lang="zh-TW" altLang="en-US"/>
           </a:p>
@@ -1305,13 +1305,7 @@
               <a:rPr lang="en-US" altLang="zh-TW" dirty="0" smtClean="0">
                 <a:hlinkClick r:id="rId3"/>
               </a:rPr>
-              <a:t>https://wcc723.github.io/javascript/2017/12/12/javascript-this</a:t>
-            </a:r>
-            <a:r>
-              <a:rPr lang="en-US" altLang="zh-TW" dirty="0" smtClean="0">
-                <a:hlinkClick r:id="rId3"/>
-              </a:rPr>
-              <a:t>/</a:t>
+              <a:t>https://wcc723.github.io/javascript/2017/12/12/javascript-this/</a:t>
             </a:r>
             <a:endParaRPr lang="en-US" altLang="zh-TW" dirty="0" smtClean="0"/>
           </a:p>
@@ -1443,13 +1437,7 @@
               <a:rPr lang="en-US" altLang="zh-TW" dirty="0" smtClean="0">
                 <a:hlinkClick r:id="rId3"/>
               </a:rPr>
-              <a:t>https://medium.com/@realdennis/javascript-%</a:t>
-            </a:r>
-            <a:r>
-              <a:rPr lang="en-US" altLang="zh-TW" dirty="0" smtClean="0">
-                <a:hlinkClick r:id="rId3"/>
-              </a:rPr>
-              <a:t>E8%81%8A%E8%81%8Acall-apply-bind%E7%9A%84%E5%B7%AE%E7%95%B0%E8%88%87%E7%9B%B8%E4%BC%BC%E4%B9%8B%E8%99%95-2f82a4b4dd66</a:t>
+              <a:t>https://medium.com/@realdennis/javascript-%E8%81%8A%E8%81%8Acall-apply-bind%E7%9A%84%E5%B7%AE%E7%95%B0%E8%88%87%E7%9B%B8%E4%BC%BC%E4%B9%8B%E8%99%95-2f82a4b4dd66</a:t>
             </a:r>
             <a:endParaRPr lang="en-US" altLang="zh-TW" dirty="0" smtClean="0"/>
           </a:p>
@@ -1475,13 +1463,25 @@
               <a:rPr lang="en-US" altLang="zh-TW" dirty="0" smtClean="0">
                 <a:hlinkClick r:id="rId5"/>
               </a:rPr>
-              <a:t>https</a:t>
+              <a:t>https://</a:t>
             </a:r>
             <a:r>
               <a:rPr lang="en-US" altLang="zh-TW" dirty="0" smtClean="0">
                 <a:hlinkClick r:id="rId5"/>
               </a:rPr>
-              <a:t>://ithelp.ithome.com.tw/articles/10195896</a:t>
+              <a:t>ithelp.ithome.com.tw/articles/10195896</a:t>
+            </a:r>
+            <a:endParaRPr lang="en-US" altLang="zh-TW" dirty="0" smtClean="0"/>
+          </a:p>
+          <a:p>
+            <a:endParaRPr lang="en-US" altLang="zh-TW" dirty="0" smtClean="0"/>
+          </a:p>
+          <a:p>
+            <a:r>
+              <a:rPr lang="en-US" altLang="zh-TW" smtClean="0">
+                <a:hlinkClick r:id="rId6"/>
+              </a:rPr>
+              <a:t>https://www.cnblogs.com/onepixel/p/5143863.html</a:t>
             </a:r>
             <a:endParaRPr lang="zh-TW" altLang="en-US" dirty="0"/>
           </a:p>
@@ -1578,13 +1578,7 @@
               <a:rPr lang="en-US" altLang="zh-TW" dirty="0" smtClean="0">
                 <a:hlinkClick r:id="rId3"/>
               </a:rPr>
-              <a:t>https://wcc723.github.io/javascript/2017/12/19/javascript-constructor-and-prototype</a:t>
-            </a:r>
-            <a:r>
-              <a:rPr lang="en-US" altLang="zh-TW" dirty="0" smtClean="0">
-                <a:hlinkClick r:id="rId3"/>
-              </a:rPr>
-              <a:t>/</a:t>
+              <a:t>https://wcc723.github.io/javascript/2017/12/19/javascript-constructor-and-prototype/</a:t>
             </a:r>
             <a:endParaRPr lang="en-US" altLang="zh-TW" dirty="0" smtClean="0"/>
           </a:p>
@@ -1616,13 +1610,7 @@
               <a:rPr lang="en-US" altLang="zh-TW" dirty="0" smtClean="0">
                 <a:hlinkClick r:id="rId5"/>
               </a:rPr>
-              <a:t>https</a:t>
-            </a:r>
-            <a:r>
-              <a:rPr lang="en-US" altLang="zh-TW" dirty="0" smtClean="0">
-                <a:hlinkClick r:id="rId5"/>
-              </a:rPr>
-              <a:t>://blog.techbridge.cc/2017/04/22/javascript-prototype</a:t>
+              <a:t>https://blog.techbridge.cc/2017/04/22/javascript-prototype</a:t>
             </a:r>
             <a:r>
               <a:rPr lang="en-US" altLang="zh-TW" dirty="0" smtClean="0">
@@ -1630,17 +1618,25 @@
               </a:rPr>
               <a:t>/</a:t>
             </a:r>
-            <a:endParaRPr lang="en-US" altLang="zh-TW" dirty="0" smtClean="0"/>
-          </a:p>
-          <a:p>
-            <a:endParaRPr lang="en-US" altLang="zh-TW" dirty="0" smtClean="0"/>
-          </a:p>
-          <a:p>
+            <a:r>
+              <a:rPr lang="en-US" altLang="zh-TW" dirty="0" smtClean="0"/>
+              <a:t/>
+            </a:r>
+            <a:br>
+              <a:rPr lang="en-US" altLang="zh-TW" dirty="0" smtClean="0"/>
+            </a:br>
+            <a:r>
+              <a:rPr lang="en-US" altLang="zh-TW" dirty="0" smtClean="0"/>
+              <a:t/>
+            </a:r>
+            <a:br>
+              <a:rPr lang="en-US" altLang="zh-TW" dirty="0" smtClean="0"/>
+            </a:br>
             <a:r>
               <a:rPr lang="en-US" altLang="zh-TW" dirty="0" smtClean="0">
                 <a:hlinkClick r:id="rId6"/>
               </a:rPr>
-              <a:t>https://cythilya.github.io/2018/10/26/prototype/</a:t>
+              <a:t>http://www.ruanyifeng.com/blog/2010/05/object-oriented_javascript_inheritance.html</a:t>
             </a:r>
             <a:endParaRPr lang="en-US" altLang="zh-TW" dirty="0" smtClean="0"/>
           </a:p>
@@ -1651,6 +1647,18 @@
             <a:r>
               <a:rPr lang="en-US" altLang="zh-TW" dirty="0" smtClean="0">
                 <a:hlinkClick r:id="rId7"/>
+              </a:rPr>
+              <a:t>https://cythilya.github.io/2018/10/26/prototype/</a:t>
+            </a:r>
+            <a:endParaRPr lang="en-US" altLang="zh-TW" dirty="0" smtClean="0"/>
+          </a:p>
+          <a:p>
+            <a:endParaRPr lang="en-US" altLang="zh-TW" dirty="0" smtClean="0"/>
+          </a:p>
+          <a:p>
+            <a:r>
+              <a:rPr lang="en-US" altLang="zh-TW" dirty="0" smtClean="0">
+                <a:hlinkClick r:id="rId8"/>
               </a:rPr>
               <a:t>https://pjchender.blogspot.com/2016/06/javascriptfunction-constructornew.html</a:t>
             </a:r>
@@ -4541,7 +4549,7 @@
           <a:p>
             <a:fld id="{E0F54A04-F7E9-4EB1-AC03-1D7C5DA8D3F9}" type="datetimeFigureOut">
               <a:rPr lang="zh-TW" altLang="en-US" smtClean="0"/>
-              <a:t>2019/9/16</a:t>
+              <a:t>2019/9/24</a:t>
             </a:fld>
             <a:endParaRPr lang="zh-TW" altLang="en-US"/>
           </a:p>
@@ -4826,7 +4834,7 @@
           <a:p>
             <a:fld id="{E0F54A04-F7E9-4EB1-AC03-1D7C5DA8D3F9}" type="datetimeFigureOut">
               <a:rPr lang="zh-TW" altLang="en-US" smtClean="0"/>
-              <a:t>2019/9/16</a:t>
+              <a:t>2019/9/24</a:t>
             </a:fld>
             <a:endParaRPr lang="zh-TW" altLang="en-US"/>
           </a:p>
@@ -5001,7 +5009,7 @@
           <a:p>
             <a:fld id="{E0F54A04-F7E9-4EB1-AC03-1D7C5DA8D3F9}" type="datetimeFigureOut">
               <a:rPr lang="zh-TW" altLang="en-US" smtClean="0"/>
-              <a:t>2019/9/16</a:t>
+              <a:t>2019/9/24</a:t>
             </a:fld>
             <a:endParaRPr lang="zh-TW" altLang="en-US"/>
           </a:p>
@@ -5166,7 +5174,7 @@
           <a:p>
             <a:fld id="{E0F54A04-F7E9-4EB1-AC03-1D7C5DA8D3F9}" type="datetimeFigureOut">
               <a:rPr lang="zh-TW" altLang="en-US" smtClean="0"/>
-              <a:t>2019/9/16</a:t>
+              <a:t>2019/9/24</a:t>
             </a:fld>
             <a:endParaRPr lang="zh-TW" altLang="en-US"/>
           </a:p>
@@ -5407,7 +5415,7 @@
           <a:p>
             <a:fld id="{E0F54A04-F7E9-4EB1-AC03-1D7C5DA8D3F9}" type="datetimeFigureOut">
               <a:rPr lang="zh-TW" altLang="en-US" smtClean="0"/>
-              <a:t>2019/9/16</a:t>
+              <a:t>2019/9/24</a:t>
             </a:fld>
             <a:endParaRPr lang="zh-TW" altLang="en-US"/>
           </a:p>
@@ -5520,7 +5528,7 @@
           <a:p>
             <a:fld id="{E0F54A04-F7E9-4EB1-AC03-1D7C5DA8D3F9}" type="datetimeFigureOut">
               <a:rPr lang="zh-TW" altLang="en-US" smtClean="0"/>
-              <a:t>2019/9/16</a:t>
+              <a:t>2019/9/24</a:t>
             </a:fld>
             <a:endParaRPr lang="zh-TW" altLang="en-US"/>
           </a:p>
@@ -6059,7 +6067,7 @@
           <a:p>
             <a:fld id="{E0F54A04-F7E9-4EB1-AC03-1D7C5DA8D3F9}" type="datetimeFigureOut">
               <a:rPr lang="zh-TW" altLang="en-US" smtClean="0"/>
-              <a:t>2019/9/16</a:t>
+              <a:t>2019/9/24</a:t>
             </a:fld>
             <a:endParaRPr lang="zh-TW" altLang="en-US"/>
           </a:p>
@@ -6172,7 +6180,7 @@
           <a:p>
             <a:fld id="{E0F54A04-F7E9-4EB1-AC03-1D7C5DA8D3F9}" type="datetimeFigureOut">
               <a:rPr lang="zh-TW" altLang="en-US" smtClean="0"/>
-              <a:t>2019/9/16</a:t>
+              <a:t>2019/9/24</a:t>
             </a:fld>
             <a:endParaRPr lang="zh-TW" altLang="en-US"/>
           </a:p>
@@ -6262,7 +6270,7 @@
           <a:p>
             <a:fld id="{E0F54A04-F7E9-4EB1-AC03-1D7C5DA8D3F9}" type="datetimeFigureOut">
               <a:rPr lang="zh-TW" altLang="en-US" smtClean="0"/>
-              <a:t>2019/9/16</a:t>
+              <a:t>2019/9/24</a:t>
             </a:fld>
             <a:endParaRPr lang="zh-TW" altLang="en-US"/>
           </a:p>
@@ -8913,7 +8921,7 @@
           <a:p>
             <a:fld id="{E0F54A04-F7E9-4EB1-AC03-1D7C5DA8D3F9}" type="datetimeFigureOut">
               <a:rPr lang="zh-TW" altLang="en-US" smtClean="0"/>
-              <a:t>2019/9/16</a:t>
+              <a:t>2019/9/24</a:t>
             </a:fld>
             <a:endParaRPr lang="zh-TW" altLang="en-US"/>
           </a:p>
@@ -12125,7 +12133,7 @@
           <a:p>
             <a:fld id="{E0F54A04-F7E9-4EB1-AC03-1D7C5DA8D3F9}" type="datetimeFigureOut">
               <a:rPr lang="zh-TW" altLang="en-US" smtClean="0"/>
-              <a:t>2019/9/16</a:t>
+              <a:t>2019/9/24</a:t>
             </a:fld>
             <a:endParaRPr lang="zh-TW" altLang="en-US"/>
           </a:p>
@@ -14947,7 +14955,7 @@
           <a:p>
             <a:fld id="{E0F54A04-F7E9-4EB1-AC03-1D7C5DA8D3F9}" type="datetimeFigureOut">
               <a:rPr lang="zh-TW" altLang="en-US" smtClean="0"/>
-              <a:t>2019/9/16</a:t>
+              <a:t>2019/9/24</a:t>
             </a:fld>
             <a:endParaRPr lang="zh-TW" altLang="en-US"/>
           </a:p>
@@ -15596,11 +15604,11 @@
   <p:clrMapOvr>
     <a:masterClrMapping/>
   </p:clrMapOvr>
-  <mc:AlternateContent xmlns:mc="http://schemas.openxmlformats.org/markup-compatibility/2006">
-    <mc:Choice xmlns:p14="http://schemas.microsoft.com/office/powerpoint/2010/main" Requires="p14">
+  <mc:AlternateContent xmlns:mc="http://schemas.openxmlformats.org/markup-compatibility/2006" xmlns:p14="http://schemas.microsoft.com/office/powerpoint/2010/main">
+    <mc:Choice Requires="p14">
       <p:transition spd="slow" p14:dur="2000"/>
     </mc:Choice>
-    <mc:Fallback>
+    <mc:Fallback xmlns="">
       <p:transition spd="slow"/>
     </mc:Fallback>
   </mc:AlternateContent>
@@ -15975,7 +15983,6 @@
               <a:rPr lang="en-US" altLang="zh-TW" dirty="0" smtClean="0"/>
               <a:t>Scope(Scope chain)</a:t>
             </a:r>
-            <a:endParaRPr lang="en-US" altLang="zh-TW" dirty="0" smtClean="0"/>
           </a:p>
           <a:p>
             <a:pPr lvl="1"/>
@@ -16065,11 +16072,7 @@
             </a:r>
             <a:r>
               <a:rPr lang="en-US" altLang="zh-TW" dirty="0" smtClean="0"/>
-              <a:t>call</a:t>
-            </a:r>
-            <a:r>
-              <a:rPr lang="en-US" altLang="zh-TW" dirty="0" smtClean="0"/>
-              <a:t>()</a:t>
+              <a:t>call()</a:t>
             </a:r>
           </a:p>
           <a:p>
@@ -17177,16 +17180,12 @@
               <a:t>prototype chain</a:t>
             </a:r>
             <a:r>
-              <a:rPr lang="zh-TW" altLang="en-US"/>
+              <a:rPr lang="zh-TW" altLang="en-US" dirty="0"/>
               <a:t>）</a:t>
             </a:r>
             <a:r>
-              <a:rPr lang="zh-TW" altLang="en-US" smtClean="0"/>
-              <a:t>，類似關係</a:t>
-            </a:r>
-            <a:r>
               <a:rPr lang="zh-TW" altLang="en-US" dirty="0" smtClean="0"/>
-              <a:t>。</a:t>
+              <a:t>，類似關係。</a:t>
             </a:r>
             <a:endParaRPr lang="en-US" altLang="zh-TW" dirty="0" smtClean="0"/>
           </a:p>
@@ -17197,11 +17196,7 @@
             </a:r>
             <a:r>
               <a:rPr lang="en-US" altLang="zh-TW" dirty="0" smtClean="0"/>
-              <a:t>rototy</a:t>
-            </a:r>
-            <a:r>
-              <a:rPr lang="en-US" altLang="zh-TW" dirty="0" smtClean="0"/>
-              <a:t>pe</a:t>
+              <a:t>rototype</a:t>
             </a:r>
             <a:r>
               <a:rPr lang="zh-TW" altLang="en-US" dirty="0" smtClean="0"/>

--- a/JavaScript教學及應用_08.22報告.pptx
+++ b/JavaScript教學及應用_08.22報告.pptx
@@ -5,21 +5,18 @@
     <p:sldMasterId id="2147483672" r:id="rId1"/>
   </p:sldMasterIdLst>
   <p:notesMasterIdLst>
-    <p:notesMasterId r:id="rId14"/>
+    <p:notesMasterId r:id="rId11"/>
   </p:notesMasterIdLst>
   <p:sldIdLst>
     <p:sldId id="256" r:id="rId2"/>
     <p:sldId id="257" r:id="rId3"/>
     <p:sldId id="258" r:id="rId4"/>
     <p:sldId id="259" r:id="rId5"/>
-    <p:sldId id="260" r:id="rId6"/>
-    <p:sldId id="261" r:id="rId7"/>
-    <p:sldId id="262" r:id="rId8"/>
-    <p:sldId id="263" r:id="rId9"/>
-    <p:sldId id="264" r:id="rId10"/>
-    <p:sldId id="266" r:id="rId11"/>
-    <p:sldId id="265" r:id="rId12"/>
-    <p:sldId id="267" r:id="rId13"/>
+    <p:sldId id="261" r:id="rId6"/>
+    <p:sldId id="262" r:id="rId7"/>
+    <p:sldId id="263" r:id="rId8"/>
+    <p:sldId id="264" r:id="rId9"/>
+    <p:sldId id="267" r:id="rId10"/>
   </p:sldIdLst>
   <p:sldSz cx="9144000" cy="6858000" type="screen4x3"/>
   <p:notesSz cx="6858000" cy="9144000"/>
@@ -127,13 +124,10 @@
             <p14:sldId id="257"/>
             <p14:sldId id="258"/>
             <p14:sldId id="259"/>
-            <p14:sldId id="260"/>
             <p14:sldId id="261"/>
             <p14:sldId id="262"/>
             <p14:sldId id="263"/>
             <p14:sldId id="264"/>
-            <p14:sldId id="266"/>
-            <p14:sldId id="265"/>
             <p14:sldId id="267"/>
           </p14:sldIdLst>
         </p14:section>
@@ -225,7 +219,7 @@
           <a:p>
             <a:fld id="{F6A5054D-4624-444C-9BDA-24BBA8230CF0}" type="datetimeFigureOut">
               <a:rPr lang="zh-TW" altLang="en-US" smtClean="0"/>
-              <a:t>2019/9/24</a:t>
+              <a:t>2019/10/3</a:t>
             </a:fld>
             <a:endParaRPr lang="zh-TW" altLang="en-US"/>
           </a:p>
@@ -539,113 +533,21 @@
           <a:p>
             <a:r>
               <a:rPr lang="zh-TW" altLang="en-US" dirty="0" smtClean="0"/>
-              <a:t>參考網址：</a:t>
-            </a:r>
-            <a:endParaRPr lang="en-US" altLang="zh-TW" dirty="0" smtClean="0"/>
-          </a:p>
-          <a:p>
-            <a:r>
-              <a:rPr lang="en-US" altLang="zh-TW" dirty="0" smtClean="0">
+              <a:t>別人觀看同一部</a:t>
+            </a:r>
+            <a:r>
+              <a:rPr lang="en-US" altLang="zh-TW" dirty="0" err="1" smtClean="0"/>
+              <a:t>Udemy</a:t>
+            </a:r>
+            <a:r>
+              <a:rPr lang="zh-TW" altLang="en-US" dirty="0" smtClean="0"/>
+              <a:t>寫的文章：</a:t>
+            </a:r>
+            <a:r>
+              <a:rPr lang="en-US" altLang="zh-TW" smtClean="0">
                 <a:hlinkClick r:id="rId3"/>
               </a:rPr>
-              <a:t>https://blog.techbridge.cc/2018/11/10/javascript-hoisting/</a:t>
-            </a:r>
-            <a:endParaRPr lang="en-US" altLang="zh-TW" dirty="0" smtClean="0"/>
-          </a:p>
-          <a:p>
-            <a:r>
-              <a:rPr lang="en-US" altLang="zh-TW" dirty="0" smtClean="0">
-                <a:hlinkClick r:id="rId4"/>
-              </a:rPr>
-              <a:t>https://cythilya.github.io/2018/10/20/hoisting/</a:t>
-            </a:r>
-            <a:endParaRPr lang="en-US" altLang="zh-TW" dirty="0" smtClean="0"/>
-          </a:p>
-          <a:p>
-            <a:r>
-              <a:rPr lang="en-US" altLang="zh-TW" dirty="0" smtClean="0">
-                <a:hlinkClick r:id="rId5"/>
-              </a:rPr>
-              <a:t>https://wcc723.github.io/javascript/2017/12/16/javascript-hoisting/</a:t>
-            </a:r>
-            <a:r>
-              <a:rPr lang="en-US" altLang="zh-TW" dirty="0" smtClean="0"/>
-              <a:t/>
-            </a:r>
-            <a:br>
-              <a:rPr lang="en-US" altLang="zh-TW" dirty="0" smtClean="0"/>
-            </a:br>
-            <a:r>
-              <a:rPr lang="en-US" altLang="zh-TW" dirty="0" smtClean="0"/>
-              <a:t/>
-            </a:r>
-            <a:br>
-              <a:rPr lang="en-US" altLang="zh-TW" dirty="0" smtClean="0"/>
-            </a:br>
-            <a:r>
-              <a:rPr lang="en-US" altLang="zh-TW" sz="1200" b="0" i="0" kern="1200" dirty="0" smtClean="0">
-                <a:solidFill>
-                  <a:schemeClr val="tx1"/>
-                </a:solidFill>
-                <a:effectLst/>
-                <a:latin typeface="+mn-lt"/>
-                <a:ea typeface="+mn-ea"/>
-                <a:cs typeface="+mn-cs"/>
-              </a:rPr>
-              <a:t>TDZ</a:t>
-            </a:r>
-            <a:r>
-              <a:rPr lang="zh-TW" altLang="en-US" sz="1200" b="0" i="0" kern="1200" dirty="0" smtClean="0">
-                <a:solidFill>
-                  <a:schemeClr val="tx1"/>
-                </a:solidFill>
-                <a:effectLst/>
-                <a:latin typeface="+mn-lt"/>
-                <a:ea typeface="+mn-ea"/>
-                <a:cs typeface="+mn-cs"/>
-              </a:rPr>
-              <a:t>（</a:t>
-            </a:r>
-            <a:r>
-              <a:rPr lang="en-US" altLang="zh-TW" sz="1200" b="0" i="0" kern="1200" dirty="0" smtClean="0">
-                <a:solidFill>
-                  <a:schemeClr val="tx1"/>
-                </a:solidFill>
-                <a:effectLst/>
-                <a:latin typeface="+mn-lt"/>
-                <a:ea typeface="+mn-ea"/>
-                <a:cs typeface="+mn-cs"/>
-              </a:rPr>
-              <a:t>Temporal Dead Zone</a:t>
-            </a:r>
-            <a:r>
-              <a:rPr lang="zh-TW" altLang="en-US" sz="1200" b="0" i="0" kern="1200" dirty="0" smtClean="0">
-                <a:solidFill>
-                  <a:schemeClr val="tx1"/>
-                </a:solidFill>
-                <a:effectLst/>
-                <a:latin typeface="+mn-lt"/>
-                <a:ea typeface="+mn-ea"/>
-                <a:cs typeface="+mn-cs"/>
-              </a:rPr>
-              <a:t>）</a:t>
-            </a:r>
-            <a:endParaRPr lang="en-US" altLang="zh-TW" sz="1200" b="0" i="0" kern="1200" dirty="0" smtClean="0">
-              <a:solidFill>
-                <a:schemeClr val="tx1"/>
-              </a:solidFill>
-              <a:effectLst/>
-              <a:latin typeface="+mn-lt"/>
-              <a:ea typeface="+mn-ea"/>
-              <a:cs typeface="+mn-cs"/>
-            </a:endParaRPr>
-          </a:p>
-          <a:p>
-            <a:r>
-              <a:rPr lang="en-US" altLang="zh-TW" dirty="0" smtClean="0">
-                <a:hlinkClick r:id="rId6"/>
-              </a:rPr>
-              <a:t>https://segmentfault.com/a/1190000008213835</a:t>
+              <a:t>https://pjchender.blogspot.com/2017/06/javascript-understanding-weird-part.html</a:t>
             </a:r>
             <a:endParaRPr lang="zh-TW" altLang="en-US" dirty="0"/>
           </a:p>
@@ -668,7 +570,7 @@
           <a:p>
             <a:fld id="{DF46800F-0632-4D34-BABB-01CA8F54CF0A}" type="slidenum">
               <a:rPr lang="zh-TW" altLang="en-US" smtClean="0"/>
-              <a:t>3</a:t>
+              <a:t>1</a:t>
             </a:fld>
             <a:endParaRPr lang="zh-TW" altLang="en-US"/>
           </a:p>
@@ -677,7 +579,7 @@
     </p:spTree>
     <p:extLst>
       <p:ext uri="{BB962C8B-B14F-4D97-AF65-F5344CB8AC3E}">
-        <p14:creationId xmlns:p14="http://schemas.microsoft.com/office/powerpoint/2010/main" val="3076078074"/>
+        <p14:creationId xmlns:p14="http://schemas.microsoft.com/office/powerpoint/2010/main" val="2335682692"/>
       </p:ext>
     </p:extLst>
   </p:cSld>
@@ -742,7 +644,25 @@
               <a:rPr lang="en-US" altLang="zh-TW" dirty="0" smtClean="0">
                 <a:hlinkClick r:id="rId3"/>
               </a:rPr>
-              <a:t>https://pjchender.blogspot.com/2016/05/javascriptiifesimmediately-invoked.html</a:t>
+              <a:t>https://blog.techbridge.cc/2018/11/10/javascript-hoisting/</a:t>
+            </a:r>
+            <a:endParaRPr lang="en-US" altLang="zh-TW" dirty="0" smtClean="0"/>
+          </a:p>
+          <a:p>
+            <a:r>
+              <a:rPr lang="en-US" altLang="zh-TW" dirty="0" smtClean="0">
+                <a:hlinkClick r:id="rId4"/>
+              </a:rPr>
+              <a:t>https://cythilya.github.io/2018/10/20/hoisting/</a:t>
+            </a:r>
+            <a:endParaRPr lang="en-US" altLang="zh-TW" dirty="0" smtClean="0"/>
+          </a:p>
+          <a:p>
+            <a:r>
+              <a:rPr lang="en-US" altLang="zh-TW" dirty="0" smtClean="0">
+                <a:hlinkClick r:id="rId5"/>
+              </a:rPr>
+              <a:t>https://wcc723.github.io/javascript/2017/12/16/javascript-hoisting/</a:t>
             </a:r>
             <a:r>
               <a:rPr lang="en-US" altLang="zh-TW" dirty="0" smtClean="0"/>
@@ -752,10 +672,76 @@
               <a:rPr lang="en-US" altLang="zh-TW" dirty="0" smtClean="0"/>
             </a:br>
             <a:r>
+              <a:rPr lang="en-US" altLang="zh-TW" dirty="0" smtClean="0"/>
+              <a:t/>
+            </a:r>
+            <a:br>
+              <a:rPr lang="en-US" altLang="zh-TW" dirty="0" smtClean="0"/>
+            </a:br>
+            <a:r>
+              <a:rPr lang="en-US" altLang="zh-TW" sz="1200" b="0" i="0" kern="1200" dirty="0" smtClean="0">
+                <a:solidFill>
+                  <a:schemeClr val="tx1"/>
+                </a:solidFill>
+                <a:effectLst/>
+                <a:latin typeface="+mn-lt"/>
+                <a:ea typeface="+mn-ea"/>
+                <a:cs typeface="+mn-cs"/>
+              </a:rPr>
+              <a:t>TDZ</a:t>
+            </a:r>
+            <a:r>
+              <a:rPr lang="zh-TW" altLang="en-US" sz="1200" b="0" i="0" kern="1200" dirty="0" smtClean="0">
+                <a:solidFill>
+                  <a:schemeClr val="tx1"/>
+                </a:solidFill>
+                <a:effectLst/>
+                <a:latin typeface="+mn-lt"/>
+                <a:ea typeface="+mn-ea"/>
+                <a:cs typeface="+mn-cs"/>
+              </a:rPr>
+              <a:t>（</a:t>
+            </a:r>
+            <a:r>
+              <a:rPr lang="en-US" altLang="zh-TW" sz="1200" b="0" i="0" kern="1200" dirty="0" smtClean="0">
+                <a:solidFill>
+                  <a:schemeClr val="tx1"/>
+                </a:solidFill>
+                <a:effectLst/>
+                <a:latin typeface="+mn-lt"/>
+                <a:ea typeface="+mn-ea"/>
+                <a:cs typeface="+mn-cs"/>
+              </a:rPr>
+              <a:t>Temporal Dead Zone</a:t>
+            </a:r>
+            <a:r>
+              <a:rPr lang="zh-TW" altLang="en-US" sz="1200" b="0" i="0" kern="1200" dirty="0" smtClean="0">
+                <a:solidFill>
+                  <a:schemeClr val="tx1"/>
+                </a:solidFill>
+                <a:effectLst/>
+                <a:latin typeface="+mn-lt"/>
+                <a:ea typeface="+mn-ea"/>
+                <a:cs typeface="+mn-cs"/>
+              </a:rPr>
+              <a:t>）</a:t>
+            </a:r>
+            <a:endParaRPr lang="en-US" altLang="zh-TW" sz="1200" b="0" i="0" kern="1200" dirty="0" smtClean="0">
+              <a:solidFill>
+                <a:schemeClr val="tx1"/>
+              </a:solidFill>
+              <a:effectLst/>
+              <a:latin typeface="+mn-lt"/>
+              <a:ea typeface="+mn-ea"/>
+              <a:cs typeface="+mn-cs"/>
+            </a:endParaRPr>
+          </a:p>
+          <a:p>
+            <a:r>
               <a:rPr lang="en-US" altLang="zh-TW" dirty="0" smtClean="0">
-                <a:hlinkClick r:id="rId4"/>
+                <a:hlinkClick r:id="rId6"/>
               </a:rPr>
-              <a:t>https://medium.com/@Epicure1709/js%E5%87%BD%E5%BC%8F%E7%9A%84%E9%99%B3%E8%BF%B0%E5%BC%8F-%E8%A1%A8%E9%81%94%E5%BC%8F%E5%92%8Ciife-15eb4c0a5b80</a:t>
+              <a:t>https://segmentfault.com/a/1190000008213835</a:t>
             </a:r>
             <a:endParaRPr lang="zh-TW" altLang="en-US" dirty="0"/>
           </a:p>
@@ -778,7 +764,7 @@
           <a:p>
             <a:fld id="{DF46800F-0632-4D34-BABB-01CA8F54CF0A}" type="slidenum">
               <a:rPr lang="zh-TW" altLang="en-US" smtClean="0"/>
-              <a:t>4</a:t>
+              <a:t>3</a:t>
             </a:fld>
             <a:endParaRPr lang="zh-TW" altLang="en-US"/>
           </a:p>
@@ -787,7 +773,7 @@
     </p:spTree>
     <p:extLst>
       <p:ext uri="{BB962C8B-B14F-4D97-AF65-F5344CB8AC3E}">
-        <p14:creationId xmlns:p14="http://schemas.microsoft.com/office/powerpoint/2010/main" val="1421211491"/>
+        <p14:creationId xmlns:p14="http://schemas.microsoft.com/office/powerpoint/2010/main" val="3076078074"/>
       </p:ext>
     </p:extLst>
   </p:cSld>
@@ -845,6 +831,15 @@
               <a:rPr lang="zh-TW" altLang="en-US" dirty="0" smtClean="0"/>
               <a:t>參考網址：</a:t>
             </a:r>
+            <a:endParaRPr lang="en-US" altLang="zh-TW" dirty="0" smtClean="0"/>
+          </a:p>
+          <a:p>
+            <a:r>
+              <a:rPr lang="en-US" altLang="zh-TW" dirty="0" smtClean="0">
+                <a:hlinkClick r:id="rId3"/>
+              </a:rPr>
+              <a:t>https://pjchender.blogspot.com/2016/05/javascriptiifesimmediately-invoked.html</a:t>
+            </a:r>
             <a:r>
               <a:rPr lang="en-US" altLang="zh-TW" dirty="0" smtClean="0"/>
               <a:t/>
@@ -854,22 +849,9 @@
             </a:br>
             <a:r>
               <a:rPr lang="en-US" altLang="zh-TW" dirty="0" smtClean="0">
-                <a:hlinkClick r:id="rId3"/>
-              </a:rPr>
-              <a:t>https://cythilya.github.io/2018/10/19/function-vs-block-scope/</a:t>
-            </a:r>
-            <a:r>
-              <a:rPr lang="en-US" altLang="zh-TW" smtClean="0"/>
-              <a:t/>
-            </a:r>
-            <a:br>
-              <a:rPr lang="en-US" altLang="zh-TW" smtClean="0"/>
-            </a:br>
-            <a:r>
-              <a:rPr lang="en-US" altLang="zh-TW" smtClean="0">
                 <a:hlinkClick r:id="rId4"/>
               </a:rPr>
-              <a:t>https://cythilya.github.io/2018/10/18/lexical-scope/</a:t>
+              <a:t>https://medium.com/@Epicure1709/js%E5%87%BD%E5%BC%8F%E7%9A%84%E9%99%B3%E8%BF%B0%E5%BC%8F-%E8%A1%A8%E9%81%94%E5%BC%8F%E5%92%8Ciife-15eb4c0a5b80</a:t>
             </a:r>
             <a:endParaRPr lang="zh-TW" altLang="en-US" dirty="0"/>
           </a:p>
@@ -892,7 +874,7 @@
           <a:p>
             <a:fld id="{DF46800F-0632-4D34-BABB-01CA8F54CF0A}" type="slidenum">
               <a:rPr lang="zh-TW" altLang="en-US" smtClean="0"/>
-              <a:t>5</a:t>
+              <a:t>4</a:t>
             </a:fld>
             <a:endParaRPr lang="zh-TW" altLang="en-US"/>
           </a:p>
@@ -901,7 +883,7 @@
     </p:spTree>
     <p:extLst>
       <p:ext uri="{BB962C8B-B14F-4D97-AF65-F5344CB8AC3E}">
-        <p14:creationId xmlns:p14="http://schemas.microsoft.com/office/powerpoint/2010/main" val="446065295"/>
+        <p14:creationId xmlns:p14="http://schemas.microsoft.com/office/powerpoint/2010/main" val="1421211491"/>
       </p:ext>
     </p:extLst>
   </p:cSld>
@@ -1002,7 +984,7 @@
           <a:p>
             <a:fld id="{DF46800F-0632-4D34-BABB-01CA8F54CF0A}" type="slidenum">
               <a:rPr lang="zh-TW" altLang="en-US" smtClean="0"/>
-              <a:t>6</a:t>
+              <a:t>5</a:t>
             </a:fld>
             <a:endParaRPr lang="zh-TW" altLang="en-US"/>
           </a:p>
@@ -1359,7 +1341,7 @@
           <a:p>
             <a:fld id="{DF46800F-0632-4D34-BABB-01CA8F54CF0A}" type="slidenum">
               <a:rPr lang="zh-TW" altLang="en-US" smtClean="0"/>
-              <a:t>7</a:t>
+              <a:t>6</a:t>
             </a:fld>
             <a:endParaRPr lang="zh-TW" altLang="en-US"/>
           </a:p>
@@ -1463,13 +1445,7 @@
               <a:rPr lang="en-US" altLang="zh-TW" dirty="0" smtClean="0">
                 <a:hlinkClick r:id="rId5"/>
               </a:rPr>
-              <a:t>https://</a:t>
-            </a:r>
-            <a:r>
-              <a:rPr lang="en-US" altLang="zh-TW" dirty="0" smtClean="0">
-                <a:hlinkClick r:id="rId5"/>
-              </a:rPr>
-              <a:t>ithelp.ithome.com.tw/articles/10195896</a:t>
+              <a:t>https://ithelp.ithome.com.tw/articles/10195896</a:t>
             </a:r>
             <a:endParaRPr lang="en-US" altLang="zh-TW" dirty="0" smtClean="0"/>
           </a:p>
@@ -1504,7 +1480,7 @@
           <a:p>
             <a:fld id="{DF46800F-0632-4D34-BABB-01CA8F54CF0A}" type="slidenum">
               <a:rPr lang="zh-TW" altLang="en-US" smtClean="0"/>
-              <a:t>8</a:t>
+              <a:t>7</a:t>
             </a:fld>
             <a:endParaRPr lang="zh-TW" altLang="en-US"/>
           </a:p>
@@ -1610,13 +1586,7 @@
               <a:rPr lang="en-US" altLang="zh-TW" dirty="0" smtClean="0">
                 <a:hlinkClick r:id="rId5"/>
               </a:rPr>
-              <a:t>https://blog.techbridge.cc/2017/04/22/javascript-prototype</a:t>
-            </a:r>
-            <a:r>
-              <a:rPr lang="en-US" altLang="zh-TW" dirty="0" smtClean="0">
-                <a:hlinkClick r:id="rId5"/>
-              </a:rPr>
-              <a:t>/</a:t>
+              <a:t>https://blog.techbridge.cc/2017/04/22/javascript-prototype/</a:t>
             </a:r>
             <a:r>
               <a:rPr lang="en-US" altLang="zh-TW" dirty="0" smtClean="0"/>
@@ -1683,7 +1653,7 @@
           <a:p>
             <a:fld id="{DF46800F-0632-4D34-BABB-01CA8F54CF0A}" type="slidenum">
               <a:rPr lang="zh-TW" altLang="en-US" smtClean="0"/>
-              <a:t>9</a:t>
+              <a:t>8</a:t>
             </a:fld>
             <a:endParaRPr lang="zh-TW" altLang="en-US"/>
           </a:p>
@@ -1693,96 +1663,6 @@
     <p:extLst>
       <p:ext uri="{BB962C8B-B14F-4D97-AF65-F5344CB8AC3E}">
         <p14:creationId xmlns:p14="http://schemas.microsoft.com/office/powerpoint/2010/main" val="1759344443"/>
-      </p:ext>
-    </p:extLst>
-  </p:cSld>
-  <p:clrMapOvr>
-    <a:masterClrMapping/>
-  </p:clrMapOvr>
-</p:notes>
-</file>
-
-<file path=ppt/notesSlides/notesSlide8.xml><?xml version="1.0" encoding="utf-8"?>
-<p:notes xmlns:a="http://schemas.openxmlformats.org/drawingml/2006/main" xmlns:r="http://schemas.openxmlformats.org/officeDocument/2006/relationships" xmlns:p="http://schemas.openxmlformats.org/presentationml/2006/main">
-  <p:cSld>
-    <p:spTree>
-      <p:nvGrpSpPr>
-        <p:cNvPr id="1" name=""/>
-        <p:cNvGrpSpPr/>
-        <p:nvPr/>
-      </p:nvGrpSpPr>
-      <p:grpSpPr>
-        <a:xfrm>
-          <a:off x="0" y="0"/>
-          <a:ext cx="0" cy="0"/>
-          <a:chOff x="0" y="0"/>
-          <a:chExt cx="0" cy="0"/>
-        </a:xfrm>
-      </p:grpSpPr>
-      <p:sp>
-        <p:nvSpPr>
-          <p:cNvPr id="2" name="投影片圖像版面配置區 1"/>
-          <p:cNvSpPr>
-            <a:spLocks noGrp="1" noRot="1" noChangeAspect="1"/>
-          </p:cNvSpPr>
-          <p:nvPr>
-            <p:ph type="sldImg"/>
-          </p:nvPr>
-        </p:nvSpPr>
-        <p:spPr/>
-      </p:sp>
-      <p:sp>
-        <p:nvSpPr>
-          <p:cNvPr id="3" name="備忘稿版面配置區 2"/>
-          <p:cNvSpPr>
-            <a:spLocks noGrp="1"/>
-          </p:cNvSpPr>
-          <p:nvPr>
-            <p:ph type="body" idx="1"/>
-          </p:nvPr>
-        </p:nvSpPr>
-        <p:spPr/>
-        <p:txBody>
-          <a:bodyPr/>
-          <a:lstStyle/>
-          <a:p>
-            <a:r>
-              <a:rPr lang="en-US" altLang="zh-TW" dirty="0" smtClean="0">
-                <a:hlinkClick r:id="rId3"/>
-              </a:rPr>
-              <a:t>https://cythilya.github.io/2018/10/22/closure/</a:t>
-            </a:r>
-            <a:endParaRPr lang="zh-TW" altLang="en-US" dirty="0"/>
-          </a:p>
-        </p:txBody>
-      </p:sp>
-      <p:sp>
-        <p:nvSpPr>
-          <p:cNvPr id="4" name="投影片編號版面配置區 3"/>
-          <p:cNvSpPr>
-            <a:spLocks noGrp="1"/>
-          </p:cNvSpPr>
-          <p:nvPr>
-            <p:ph type="sldNum" sz="quarter" idx="10"/>
-          </p:nvPr>
-        </p:nvSpPr>
-        <p:spPr/>
-        <p:txBody>
-          <a:bodyPr/>
-          <a:lstStyle/>
-          <a:p>
-            <a:fld id="{DF46800F-0632-4D34-BABB-01CA8F54CF0A}" type="slidenum">
-              <a:rPr lang="zh-TW" altLang="en-US" smtClean="0"/>
-              <a:t>11</a:t>
-            </a:fld>
-            <a:endParaRPr lang="zh-TW" altLang="en-US"/>
-          </a:p>
-        </p:txBody>
-      </p:sp>
-    </p:spTree>
-    <p:extLst>
-      <p:ext uri="{BB962C8B-B14F-4D97-AF65-F5344CB8AC3E}">
-        <p14:creationId xmlns:p14="http://schemas.microsoft.com/office/powerpoint/2010/main" val="3558266258"/>
       </p:ext>
     </p:extLst>
   </p:cSld>
@@ -4549,7 +4429,7 @@
           <a:p>
             <a:fld id="{E0F54A04-F7E9-4EB1-AC03-1D7C5DA8D3F9}" type="datetimeFigureOut">
               <a:rPr lang="zh-TW" altLang="en-US" smtClean="0"/>
-              <a:t>2019/9/24</a:t>
+              <a:t>2019/10/3</a:t>
             </a:fld>
             <a:endParaRPr lang="zh-TW" altLang="en-US"/>
           </a:p>
@@ -4834,7 +4714,7 @@
           <a:p>
             <a:fld id="{E0F54A04-F7E9-4EB1-AC03-1D7C5DA8D3F9}" type="datetimeFigureOut">
               <a:rPr lang="zh-TW" altLang="en-US" smtClean="0"/>
-              <a:t>2019/9/24</a:t>
+              <a:t>2019/10/3</a:t>
             </a:fld>
             <a:endParaRPr lang="zh-TW" altLang="en-US"/>
           </a:p>
@@ -5009,7 +4889,7 @@
           <a:p>
             <a:fld id="{E0F54A04-F7E9-4EB1-AC03-1D7C5DA8D3F9}" type="datetimeFigureOut">
               <a:rPr lang="zh-TW" altLang="en-US" smtClean="0"/>
-              <a:t>2019/9/24</a:t>
+              <a:t>2019/10/3</a:t>
             </a:fld>
             <a:endParaRPr lang="zh-TW" altLang="en-US"/>
           </a:p>
@@ -5174,7 +5054,7 @@
           <a:p>
             <a:fld id="{E0F54A04-F7E9-4EB1-AC03-1D7C5DA8D3F9}" type="datetimeFigureOut">
               <a:rPr lang="zh-TW" altLang="en-US" smtClean="0"/>
-              <a:t>2019/9/24</a:t>
+              <a:t>2019/10/3</a:t>
             </a:fld>
             <a:endParaRPr lang="zh-TW" altLang="en-US"/>
           </a:p>
@@ -5415,7 +5295,7 @@
           <a:p>
             <a:fld id="{E0F54A04-F7E9-4EB1-AC03-1D7C5DA8D3F9}" type="datetimeFigureOut">
               <a:rPr lang="zh-TW" altLang="en-US" smtClean="0"/>
-              <a:t>2019/9/24</a:t>
+              <a:t>2019/10/3</a:t>
             </a:fld>
             <a:endParaRPr lang="zh-TW" altLang="en-US"/>
           </a:p>
@@ -5528,7 +5408,7 @@
           <a:p>
             <a:fld id="{E0F54A04-F7E9-4EB1-AC03-1D7C5DA8D3F9}" type="datetimeFigureOut">
               <a:rPr lang="zh-TW" altLang="en-US" smtClean="0"/>
-              <a:t>2019/9/24</a:t>
+              <a:t>2019/10/3</a:t>
             </a:fld>
             <a:endParaRPr lang="zh-TW" altLang="en-US"/>
           </a:p>
@@ -6067,7 +5947,7 @@
           <a:p>
             <a:fld id="{E0F54A04-F7E9-4EB1-AC03-1D7C5DA8D3F9}" type="datetimeFigureOut">
               <a:rPr lang="zh-TW" altLang="en-US" smtClean="0"/>
-              <a:t>2019/9/24</a:t>
+              <a:t>2019/10/3</a:t>
             </a:fld>
             <a:endParaRPr lang="zh-TW" altLang="en-US"/>
           </a:p>
@@ -6180,7 +6060,7 @@
           <a:p>
             <a:fld id="{E0F54A04-F7E9-4EB1-AC03-1D7C5DA8D3F9}" type="datetimeFigureOut">
               <a:rPr lang="zh-TW" altLang="en-US" smtClean="0"/>
-              <a:t>2019/9/24</a:t>
+              <a:t>2019/10/3</a:t>
             </a:fld>
             <a:endParaRPr lang="zh-TW" altLang="en-US"/>
           </a:p>
@@ -6270,7 +6150,7 @@
           <a:p>
             <a:fld id="{E0F54A04-F7E9-4EB1-AC03-1D7C5DA8D3F9}" type="datetimeFigureOut">
               <a:rPr lang="zh-TW" altLang="en-US" smtClean="0"/>
-              <a:t>2019/9/24</a:t>
+              <a:t>2019/10/3</a:t>
             </a:fld>
             <a:endParaRPr lang="zh-TW" altLang="en-US"/>
           </a:p>
@@ -8921,7 +8801,7 @@
           <a:p>
             <a:fld id="{E0F54A04-F7E9-4EB1-AC03-1D7C5DA8D3F9}" type="datetimeFigureOut">
               <a:rPr lang="zh-TW" altLang="en-US" smtClean="0"/>
-              <a:t>2019/9/24</a:t>
+              <a:t>2019/10/3</a:t>
             </a:fld>
             <a:endParaRPr lang="zh-TW" altLang="en-US"/>
           </a:p>
@@ -12133,7 +12013,7 @@
           <a:p>
             <a:fld id="{E0F54A04-F7E9-4EB1-AC03-1D7C5DA8D3F9}" type="datetimeFigureOut">
               <a:rPr lang="zh-TW" altLang="en-US" smtClean="0"/>
-              <a:t>2019/9/24</a:t>
+              <a:t>2019/10/3</a:t>
             </a:fld>
             <a:endParaRPr lang="zh-TW" altLang="en-US"/>
           </a:p>
@@ -14955,7 +14835,7 @@
           <a:p>
             <a:fld id="{E0F54A04-F7E9-4EB1-AC03-1D7C5DA8D3F9}" type="datetimeFigureOut">
               <a:rPr lang="zh-TW" altLang="en-US" smtClean="0"/>
-              <a:t>2019/9/24</a:t>
+              <a:t>2019/10/3</a:t>
             </a:fld>
             <a:endParaRPr lang="zh-TW" altLang="en-US"/>
           </a:p>
@@ -15486,414 +15366,6 @@
 </p:sld>
 </file>
 
-<file path=ppt/slides/slide10.xml><?xml version="1.0" encoding="utf-8"?>
-<p:sld xmlns:a="http://schemas.openxmlformats.org/drawingml/2006/main" xmlns:r="http://schemas.openxmlformats.org/officeDocument/2006/relationships" xmlns:p="http://schemas.openxmlformats.org/presentationml/2006/main" show="0">
-  <p:cSld>
-    <p:spTree>
-      <p:nvGrpSpPr>
-        <p:cNvPr id="1" name=""/>
-        <p:cNvGrpSpPr/>
-        <p:nvPr/>
-      </p:nvGrpSpPr>
-      <p:grpSpPr>
-        <a:xfrm>
-          <a:off x="0" y="0"/>
-          <a:ext cx="0" cy="0"/>
-          <a:chOff x="0" y="0"/>
-          <a:chExt cx="0" cy="0"/>
-        </a:xfrm>
-      </p:grpSpPr>
-      <p:sp>
-        <p:nvSpPr>
-          <p:cNvPr id="2" name="標題 1"/>
-          <p:cNvSpPr>
-            <a:spLocks noGrp="1"/>
-          </p:cNvSpPr>
-          <p:nvPr>
-            <p:ph type="title"/>
-          </p:nvPr>
-        </p:nvSpPr>
-        <p:spPr/>
-        <p:txBody>
-          <a:bodyPr/>
-          <a:lstStyle/>
-          <a:p>
-            <a:r>
-              <a:rPr lang="en-US" altLang="zh-TW" dirty="0" smtClean="0"/>
-              <a:t>Java</a:t>
-            </a:r>
-            <a:r>
-              <a:rPr lang="zh-TW" altLang="en-US" dirty="0" smtClean="0"/>
-              <a:t>的關鍵字</a:t>
-            </a:r>
-            <a:r>
-              <a:rPr lang="en-US" altLang="zh-TW" dirty="0" smtClean="0"/>
-              <a:t>new</a:t>
-            </a:r>
-            <a:endParaRPr lang="zh-TW" altLang="en-US" dirty="0"/>
-          </a:p>
-        </p:txBody>
-      </p:sp>
-      <p:sp>
-        <p:nvSpPr>
-          <p:cNvPr id="3" name="內容版面配置區 2"/>
-          <p:cNvSpPr>
-            <a:spLocks noGrp="1"/>
-          </p:cNvSpPr>
-          <p:nvPr>
-            <p:ph idx="1"/>
-          </p:nvPr>
-        </p:nvSpPr>
-        <p:spPr/>
-        <p:txBody>
-          <a:bodyPr/>
-          <a:lstStyle/>
-          <a:p>
-            <a:r>
-              <a:rPr lang="en-US" altLang="zh-TW" dirty="0" smtClean="0"/>
-              <a:t>(1)  </a:t>
-            </a:r>
-            <a:r>
-              <a:rPr lang="zh-TW" altLang="en-US" dirty="0" smtClean="0"/>
-              <a:t>為對象創造空間</a:t>
-            </a:r>
-            <a:endParaRPr lang="en-US" altLang="zh-TW" dirty="0" smtClean="0"/>
-          </a:p>
-          <a:p>
-            <a:r>
-              <a:rPr lang="en-US" altLang="zh-TW" dirty="0" smtClean="0"/>
-              <a:t>(2)</a:t>
-            </a:r>
-            <a:r>
-              <a:rPr lang="zh-TW" altLang="en-US" dirty="0" smtClean="0"/>
-              <a:t>  調用類的構造方法</a:t>
-            </a:r>
-            <a:r>
-              <a:rPr lang="en-US" altLang="zh-TW" dirty="0" smtClean="0"/>
-              <a:t>(</a:t>
-            </a:r>
-            <a:r>
-              <a:rPr lang="zh-TW" altLang="en-US" dirty="0" smtClean="0"/>
-              <a:t>初始化</a:t>
-            </a:r>
-            <a:r>
-              <a:rPr lang="en-US" altLang="zh-TW" dirty="0" smtClean="0"/>
-              <a:t>)</a:t>
-            </a:r>
-          </a:p>
-          <a:p>
-            <a:r>
-              <a:rPr lang="en-US" altLang="zh-TW" dirty="0" smtClean="0"/>
-              <a:t>(3)</a:t>
-            </a:r>
-            <a:r>
-              <a:rPr lang="zh-TW" altLang="en-US" dirty="0" smtClean="0"/>
-              <a:t>  將生成對象的地址返回</a:t>
-            </a:r>
-            <a:endParaRPr lang="zh-TW" altLang="en-US" dirty="0"/>
-          </a:p>
-        </p:txBody>
-      </p:sp>
-    </p:spTree>
-    <p:extLst>
-      <p:ext uri="{BB962C8B-B14F-4D97-AF65-F5344CB8AC3E}">
-        <p14:creationId xmlns:p14="http://schemas.microsoft.com/office/powerpoint/2010/main" val="3681903538"/>
-      </p:ext>
-    </p:extLst>
-  </p:cSld>
-  <p:clrMapOvr>
-    <a:masterClrMapping/>
-  </p:clrMapOvr>
-  <mc:AlternateContent xmlns:mc="http://schemas.openxmlformats.org/markup-compatibility/2006" xmlns:p14="http://schemas.microsoft.com/office/powerpoint/2010/main">
-    <mc:Choice Requires="p14">
-      <p:transition spd="slow" p14:dur="2000"/>
-    </mc:Choice>
-    <mc:Fallback xmlns="">
-      <p:transition spd="slow"/>
-    </mc:Fallback>
-  </mc:AlternateContent>
-  <p:timing>
-    <p:tnLst>
-      <p:par>
-        <p:cTn id="1" dur="indefinite" restart="never" nodeType="tmRoot"/>
-      </p:par>
-    </p:tnLst>
-  </p:timing>
-</p:sld>
-</file>
-
-<file path=ppt/slides/slide11.xml><?xml version="1.0" encoding="utf-8"?>
-<p:sld xmlns:a="http://schemas.openxmlformats.org/drawingml/2006/main" xmlns:r="http://schemas.openxmlformats.org/officeDocument/2006/relationships" xmlns:p="http://schemas.openxmlformats.org/presentationml/2006/main">
-  <p:cSld>
-    <p:spTree>
-      <p:nvGrpSpPr>
-        <p:cNvPr id="1" name=""/>
-        <p:cNvGrpSpPr/>
-        <p:nvPr/>
-      </p:nvGrpSpPr>
-      <p:grpSpPr>
-        <a:xfrm>
-          <a:off x="0" y="0"/>
-          <a:ext cx="0" cy="0"/>
-          <a:chOff x="0" y="0"/>
-          <a:chExt cx="0" cy="0"/>
-        </a:xfrm>
-      </p:grpSpPr>
-      <p:sp>
-        <p:nvSpPr>
-          <p:cNvPr id="2" name="標題 1"/>
-          <p:cNvSpPr>
-            <a:spLocks noGrp="1"/>
-          </p:cNvSpPr>
-          <p:nvPr>
-            <p:ph type="title"/>
-          </p:nvPr>
-        </p:nvSpPr>
-        <p:spPr/>
-        <p:txBody>
-          <a:bodyPr>
-            <a:normAutofit/>
-          </a:bodyPr>
-          <a:lstStyle/>
-          <a:p>
-            <a:r>
-              <a:rPr lang="en-US" altLang="zh-TW" dirty="0" smtClean="0"/>
-              <a:t>Module</a:t>
-            </a:r>
-            <a:endParaRPr lang="zh-TW" altLang="en-US" dirty="0"/>
-          </a:p>
-        </p:txBody>
-      </p:sp>
-      <p:sp>
-        <p:nvSpPr>
-          <p:cNvPr id="3" name="內容版面配置區 2"/>
-          <p:cNvSpPr>
-            <a:spLocks noGrp="1"/>
-          </p:cNvSpPr>
-          <p:nvPr>
-            <p:ph idx="1"/>
-          </p:nvPr>
-        </p:nvSpPr>
-        <p:spPr/>
-        <p:txBody>
-          <a:bodyPr/>
-          <a:lstStyle/>
-          <a:p>
-            <a:endParaRPr lang="zh-TW" altLang="en-US" dirty="0"/>
-          </a:p>
-        </p:txBody>
-      </p:sp>
-    </p:spTree>
-    <p:extLst>
-      <p:ext uri="{BB962C8B-B14F-4D97-AF65-F5344CB8AC3E}">
-        <p14:creationId xmlns:p14="http://schemas.microsoft.com/office/powerpoint/2010/main" val="2002398741"/>
-      </p:ext>
-    </p:extLst>
-  </p:cSld>
-  <p:clrMapOvr>
-    <a:masterClrMapping/>
-  </p:clrMapOvr>
-  <p:timing>
-    <p:tnLst>
-      <p:par>
-        <p:cTn id="1" dur="indefinite" restart="never" nodeType="tmRoot"/>
-      </p:par>
-    </p:tnLst>
-  </p:timing>
-</p:sld>
-</file>
-
-<file path=ppt/slides/slide12.xml><?xml version="1.0" encoding="utf-8"?>
-<p:sld xmlns:a="http://schemas.openxmlformats.org/drawingml/2006/main" xmlns:r="http://schemas.openxmlformats.org/officeDocument/2006/relationships" xmlns:p="http://schemas.openxmlformats.org/presentationml/2006/main">
-  <p:cSld>
-    <p:spTree>
-      <p:nvGrpSpPr>
-        <p:cNvPr id="1" name=""/>
-        <p:cNvGrpSpPr/>
-        <p:nvPr/>
-      </p:nvGrpSpPr>
-      <p:grpSpPr>
-        <a:xfrm>
-          <a:off x="0" y="0"/>
-          <a:ext cx="0" cy="0"/>
-          <a:chOff x="0" y="0"/>
-          <a:chExt cx="0" cy="0"/>
-        </a:xfrm>
-      </p:grpSpPr>
-      <p:sp>
-        <p:nvSpPr>
-          <p:cNvPr id="2" name="標題 1"/>
-          <p:cNvSpPr>
-            <a:spLocks noGrp="1"/>
-          </p:cNvSpPr>
-          <p:nvPr>
-            <p:ph type="title"/>
-          </p:nvPr>
-        </p:nvSpPr>
-        <p:spPr/>
-        <p:txBody>
-          <a:bodyPr/>
-          <a:lstStyle/>
-          <a:p>
-            <a:r>
-              <a:rPr lang="zh-TW" altLang="en-US" dirty="0"/>
-              <a:t>好物</a:t>
-            </a:r>
-            <a:r>
-              <a:rPr lang="zh-TW" altLang="en-US" dirty="0" smtClean="0"/>
-              <a:t>介紹</a:t>
-            </a:r>
-            <a:endParaRPr lang="zh-TW" altLang="en-US" dirty="0"/>
-          </a:p>
-        </p:txBody>
-      </p:sp>
-      <p:sp>
-        <p:nvSpPr>
-          <p:cNvPr id="3" name="內容版面配置區 2"/>
-          <p:cNvSpPr>
-            <a:spLocks noGrp="1"/>
-          </p:cNvSpPr>
-          <p:nvPr>
-            <p:ph idx="1"/>
-          </p:nvPr>
-        </p:nvSpPr>
-        <p:spPr/>
-        <p:txBody>
-          <a:bodyPr>
-            <a:normAutofit fontScale="70000" lnSpcReduction="20000"/>
-          </a:bodyPr>
-          <a:lstStyle/>
-          <a:p>
-            <a:r>
-              <a:rPr lang="zh-TW" altLang="zh-TW" dirty="0"/>
-              <a:t>Babel </a:t>
-            </a:r>
-            <a:r>
-              <a:rPr lang="en-US" altLang="zh-TW" dirty="0" smtClean="0"/>
-              <a:t>(</a:t>
-            </a:r>
-            <a:r>
-              <a:rPr lang="zh-TW" altLang="en-US" dirty="0" smtClean="0"/>
-              <a:t>編譯器</a:t>
-            </a:r>
-            <a:r>
-              <a:rPr lang="en-US" altLang="zh-TW" dirty="0" smtClean="0"/>
-              <a:t>)</a:t>
-            </a:r>
-          </a:p>
-          <a:p>
-            <a:pPr marL="68580" indent="0">
-              <a:buNone/>
-            </a:pPr>
-            <a:r>
-              <a:rPr lang="zh-TW" altLang="en-US" dirty="0" smtClean="0"/>
-              <a:t>官方網站：</a:t>
-            </a:r>
-            <a:r>
-              <a:rPr lang="en-US" altLang="zh-TW" dirty="0" smtClean="0"/>
-              <a:t/>
-            </a:r>
-            <a:br>
-              <a:rPr lang="en-US" altLang="zh-TW" dirty="0" smtClean="0"/>
-            </a:br>
-            <a:r>
-              <a:rPr lang="en-US" altLang="zh-TW" dirty="0">
-                <a:hlinkClick r:id="rId2"/>
-              </a:rPr>
-              <a:t>https://babeljs.io</a:t>
-            </a:r>
-            <a:r>
-              <a:rPr lang="en-US" altLang="zh-TW" dirty="0" smtClean="0">
-                <a:hlinkClick r:id="rId2"/>
-              </a:rPr>
-              <a:t>/</a:t>
-            </a:r>
-            <a:endParaRPr lang="en-US" altLang="zh-TW" dirty="0" smtClean="0"/>
-          </a:p>
-          <a:p>
-            <a:pPr marL="68580" indent="0">
-              <a:buNone/>
-            </a:pPr>
-            <a:r>
-              <a:rPr lang="zh-TW" altLang="en-US" dirty="0"/>
-              <a:t>線上</a:t>
-            </a:r>
-            <a:r>
-              <a:rPr lang="zh-TW" altLang="en-US" dirty="0" smtClean="0"/>
-              <a:t>編譯器：</a:t>
-            </a:r>
-            <a:r>
-              <a:rPr lang="en-US" altLang="zh-TW" dirty="0" smtClean="0"/>
-              <a:t/>
-            </a:r>
-            <a:br>
-              <a:rPr lang="en-US" altLang="zh-TW" dirty="0" smtClean="0"/>
-            </a:br>
-            <a:r>
-              <a:rPr lang="en-US" altLang="zh-TW" dirty="0">
-                <a:hlinkClick r:id="rId3"/>
-              </a:rPr>
-              <a:t>https://babeljs.io/repl/#?babili=false&amp;browsers=&amp;build=&amp;builtIns=false&amp;spec=false&amp;loose=false&amp;code_lz=Q&amp;debug=false&amp;forceAllTransforms=false&amp;shippedProposals=false&amp;circleciRepo=&amp;evaluate=false&amp;fileSize=false&amp;timeTravel=false&amp;sourceType=module&amp;lineWrap=true&amp;presets=es2015%2Creact%2Cstage-2&amp;prettier=false&amp;targets=&amp;version=7.6.0&amp;externalPlugins=</a:t>
-            </a:r>
-            <a:endParaRPr lang="en-US" altLang="zh-TW" dirty="0"/>
-          </a:p>
-          <a:p>
-            <a:pPr marL="68580" indent="0">
-              <a:buNone/>
-            </a:pPr>
-            <a:r>
-              <a:rPr lang="en-US" altLang="zh-TW" dirty="0" smtClean="0"/>
-              <a:t/>
-            </a:r>
-            <a:br>
-              <a:rPr lang="en-US" altLang="zh-TW" dirty="0" smtClean="0"/>
-            </a:br>
-            <a:r>
-              <a:rPr lang="en-US" altLang="zh-TW" dirty="0">
-                <a:hlinkClick r:id="rId4"/>
-              </a:rPr>
-              <a:t>https://</a:t>
-            </a:r>
-            <a:r>
-              <a:rPr lang="en-US" altLang="zh-TW" dirty="0" smtClean="0">
-                <a:hlinkClick r:id="rId4"/>
-              </a:rPr>
-              <a:t>github.com/jamiebuilds/babel-handbook/blob/master/translations/zh-Hant/user-handbook.md</a:t>
-            </a:r>
-            <a:r>
-              <a:rPr lang="en-US" altLang="zh-TW" dirty="0" smtClean="0"/>
-              <a:t/>
-            </a:r>
-            <a:br>
-              <a:rPr lang="en-US" altLang="zh-TW" dirty="0" smtClean="0"/>
-            </a:br>
-            <a:endParaRPr lang="zh-TW" altLang="zh-TW" dirty="0"/>
-          </a:p>
-          <a:p>
-            <a:endParaRPr lang="zh-TW" altLang="en-US" dirty="0"/>
-          </a:p>
-        </p:txBody>
-      </p:sp>
-    </p:spTree>
-    <p:extLst>
-      <p:ext uri="{BB962C8B-B14F-4D97-AF65-F5344CB8AC3E}">
-        <p14:creationId xmlns:p14="http://schemas.microsoft.com/office/powerpoint/2010/main" val="1619215608"/>
-      </p:ext>
-    </p:extLst>
-  </p:cSld>
-  <p:clrMapOvr>
-    <a:masterClrMapping/>
-  </p:clrMapOvr>
-  <p:timing>
-    <p:tnLst>
-      <p:par>
-        <p:cTn id="1" dur="indefinite" restart="never" nodeType="tmRoot"/>
-      </p:par>
-    </p:tnLst>
-  </p:timing>
-</p:sld>
-</file>
-
 <file path=ppt/slides/slide2.xml><?xml version="1.0" encoding="utf-8"?>
 <p:sld xmlns:a="http://schemas.openxmlformats.org/drawingml/2006/main" xmlns:r="http://schemas.openxmlformats.org/officeDocument/2006/relationships" xmlns:p="http://schemas.openxmlformats.org/presentationml/2006/main">
   <p:cSld>
@@ -15923,13 +15395,13 @@
         </p:nvSpPr>
         <p:spPr>
           <a:xfrm>
-            <a:off x="323528" y="1268760"/>
-            <a:ext cx="8568952" cy="5472608"/>
+            <a:off x="467544" y="1628800"/>
+            <a:ext cx="8208912" cy="4896544"/>
           </a:xfrm>
         </p:spPr>
         <p:txBody>
           <a:bodyPr>
-            <a:normAutofit fontScale="92500" lnSpcReduction="10000"/>
+            <a:normAutofit/>
           </a:bodyPr>
           <a:lstStyle/>
           <a:p>
@@ -15980,21 +15452,33 @@
           </a:p>
           <a:p>
             <a:r>
-              <a:rPr lang="en-US" altLang="zh-TW" dirty="0" smtClean="0"/>
+              <a:rPr lang="en-US" altLang="zh-TW" strike="sngStrike" dirty="0" smtClean="0">
+                <a:solidFill>
+                  <a:srgbClr val="FF0000"/>
+                </a:solidFill>
+              </a:rPr>
               <a:t>Scope(Scope chain)</a:t>
             </a:r>
           </a:p>
           <a:p>
             <a:pPr lvl="1"/>
             <a:r>
-              <a:rPr lang="en-US" altLang="zh-TW" dirty="0" smtClean="0"/>
+              <a:rPr lang="en-US" altLang="zh-TW" strike="sngStrike" dirty="0" smtClean="0">
+                <a:solidFill>
+                  <a:srgbClr val="FF0000"/>
+                </a:solidFill>
+              </a:rPr>
               <a:t>Global Scope</a:t>
             </a:r>
           </a:p>
           <a:p>
             <a:pPr lvl="1"/>
             <a:r>
-              <a:rPr lang="en-US" altLang="zh-TW" dirty="0" smtClean="0"/>
+              <a:rPr lang="en-US" altLang="zh-TW" strike="sngStrike" dirty="0" smtClean="0">
+                <a:solidFill>
+                  <a:srgbClr val="FF0000"/>
+                </a:solidFill>
+              </a:rPr>
               <a:t>Function Scope</a:t>
             </a:r>
           </a:p>
@@ -16087,50 +15571,6 @@
             <a:r>
               <a:rPr lang="en-US" altLang="zh-TW" dirty="0" smtClean="0"/>
               <a:t>prototype</a:t>
-            </a:r>
-          </a:p>
-          <a:p>
-            <a:r>
-              <a:rPr lang="en-US" altLang="zh-TW" strike="sngStrike" dirty="0" smtClean="0">
-                <a:solidFill>
-                  <a:srgbClr val="FF0000"/>
-                </a:solidFill>
-              </a:rPr>
-              <a:t>Function</a:t>
-            </a:r>
-            <a:r>
-              <a:rPr lang="zh-TW" altLang="en-US" strike="sngStrike" dirty="0" smtClean="0">
-                <a:solidFill>
-                  <a:srgbClr val="FF0000"/>
-                </a:solidFill>
-              </a:rPr>
-              <a:t>設計</a:t>
-            </a:r>
-            <a:endParaRPr lang="en-US" altLang="zh-TW" strike="sngStrike" dirty="0" smtClean="0">
-              <a:solidFill>
-                <a:srgbClr val="FF0000"/>
-              </a:solidFill>
-            </a:endParaRPr>
-          </a:p>
-          <a:p>
-            <a:r>
-              <a:rPr lang="zh-TW" altLang="en-US" strike="sngStrike" dirty="0" smtClean="0">
-                <a:solidFill>
-                  <a:srgbClr val="FF0000"/>
-                </a:solidFill>
-              </a:rPr>
-              <a:t>實例理解</a:t>
-            </a:r>
-            <a:endParaRPr lang="en-US" altLang="zh-TW" strike="sngStrike" dirty="0" smtClean="0">
-              <a:solidFill>
-                <a:srgbClr val="FF0000"/>
-              </a:solidFill>
-            </a:endParaRPr>
-          </a:p>
-          <a:p>
-            <a:r>
-              <a:rPr lang="en-US" altLang="zh-TW" dirty="0" smtClean="0"/>
-              <a:t>Module</a:t>
             </a:r>
           </a:p>
         </p:txBody>
@@ -16203,35 +15643,6 @@
       </p:grpSpPr>
       <p:sp>
         <p:nvSpPr>
-          <p:cNvPr id="2" name="標題 1"/>
-          <p:cNvSpPr>
-            <a:spLocks noGrp="1"/>
-          </p:cNvSpPr>
-          <p:nvPr>
-            <p:ph type="title"/>
-          </p:nvPr>
-        </p:nvSpPr>
-        <p:spPr>
-          <a:xfrm>
-            <a:off x="467544" y="332656"/>
-            <a:ext cx="8208912" cy="1143000"/>
-          </a:xfrm>
-        </p:spPr>
-        <p:txBody>
-          <a:bodyPr/>
-          <a:lstStyle/>
-          <a:p>
-            <a:pPr algn="ctr"/>
-            <a:r>
-              <a:rPr lang="en-US" altLang="zh-TW" dirty="0"/>
-              <a:t>Hoisting</a:t>
-            </a:r>
-            <a:endParaRPr lang="zh-TW" altLang="en-US" dirty="0"/>
-          </a:p>
-        </p:txBody>
-      </p:sp>
-      <p:sp>
-        <p:nvSpPr>
           <p:cNvPr id="3" name="內容版面配置區 2"/>
           <p:cNvSpPr>
             <a:spLocks noGrp="1"/>
@@ -16242,7 +15653,7 @@
         </p:nvSpPr>
         <p:spPr>
           <a:xfrm>
-            <a:off x="446856" y="1600200"/>
+            <a:off x="395536" y="1988840"/>
             <a:ext cx="8229600" cy="4525963"/>
           </a:xfrm>
         </p:spPr>
@@ -16250,6 +15661,7 @@
           <a:bodyPr/>
           <a:lstStyle/>
           <a:p>
+            <a:pPr lvl="1"/>
             <a:r>
               <a:rPr lang="zh-TW" altLang="en-US" dirty="0" smtClean="0"/>
               <a:t>變數</a:t>
@@ -16260,6 +15672,7 @@
             </a:r>
           </a:p>
           <a:p>
+            <a:pPr lvl="1"/>
             <a:r>
               <a:rPr lang="zh-TW" altLang="en-US" dirty="0" smtClean="0"/>
               <a:t>函式</a:t>
@@ -16271,6 +15684,7 @@
             <a:endParaRPr lang="en-US" altLang="zh-TW" dirty="0" smtClean="0"/>
           </a:p>
           <a:p>
+            <a:pPr lvl="1"/>
             <a:r>
               <a:rPr lang="en-US" altLang="zh-TW" dirty="0" smtClean="0"/>
               <a:t>let</a:t>
@@ -16293,6 +15707,7 @@
             </a:r>
           </a:p>
           <a:p>
+            <a:pPr lvl="1"/>
             <a:r>
               <a:rPr lang="zh-TW" altLang="en-US" dirty="0" smtClean="0"/>
               <a:t>為甚麼需要</a:t>
@@ -16301,6 +15716,9 @@
               <a:rPr lang="en-US" altLang="zh-TW" dirty="0" smtClean="0"/>
               <a:t>Hoisting?</a:t>
             </a:r>
+          </a:p>
+          <a:p>
+            <a:endParaRPr lang="en-US" altLang="zh-TW" dirty="0" smtClean="0"/>
           </a:p>
           <a:p>
             <a:endParaRPr lang="en-US" altLang="zh-TW" dirty="0"/>
@@ -16379,6 +15797,108 @@
               <a:buAutoNum type="arabicPeriod"/>
             </a:pPr>
             <a:endParaRPr lang="zh-TW" altLang="en-US" sz="2000" dirty="0"/>
+          </a:p>
+        </p:txBody>
+      </p:sp>
+      <p:sp>
+        <p:nvSpPr>
+          <p:cNvPr id="4" name="標題 1"/>
+          <p:cNvSpPr txBox="1">
+            <a:spLocks/>
+          </p:cNvSpPr>
+          <p:nvPr/>
+        </p:nvSpPr>
+        <p:spPr>
+          <a:xfrm>
+            <a:off x="1043490" y="908720"/>
+            <a:ext cx="7024744" cy="829896"/>
+          </a:xfrm>
+          <a:prstGeom prst="rect">
+            <a:avLst/>
+          </a:prstGeom>
+        </p:spPr>
+        <p:txBody>
+          <a:bodyPr vert="horz" lIns="91440" tIns="45720" rIns="91440" bIns="45720" rtlCol="0" anchor="b">
+            <a:normAutofit/>
+          </a:bodyPr>
+          <a:lstStyle>
+            <a:lvl1pPr algn="l" defTabSz="914400" rtl="0" eaLnBrk="1" latinLnBrk="0" hangingPunct="1">
+              <a:spcBef>
+                <a:spcPct val="0"/>
+              </a:spcBef>
+              <a:buNone/>
+              <a:defRPr sz="4000" kern="1200">
+                <a:solidFill>
+                  <a:schemeClr val="accent1"/>
+                </a:solidFill>
+                <a:latin typeface="+mj-lt"/>
+                <a:ea typeface="+mj-ea"/>
+                <a:cs typeface="+mj-cs"/>
+              </a:defRPr>
+            </a:lvl1pPr>
+            <a:lvl2pPr eaLnBrk="1" hangingPunct="1">
+              <a:defRPr>
+                <a:solidFill>
+                  <a:schemeClr val="tx2"/>
+                </a:solidFill>
+              </a:defRPr>
+            </a:lvl2pPr>
+            <a:lvl3pPr eaLnBrk="1" hangingPunct="1">
+              <a:defRPr>
+                <a:solidFill>
+                  <a:schemeClr val="tx2"/>
+                </a:solidFill>
+              </a:defRPr>
+            </a:lvl3pPr>
+            <a:lvl4pPr eaLnBrk="1" hangingPunct="1">
+              <a:defRPr>
+                <a:solidFill>
+                  <a:schemeClr val="tx2"/>
+                </a:solidFill>
+              </a:defRPr>
+            </a:lvl4pPr>
+            <a:lvl5pPr eaLnBrk="1" hangingPunct="1">
+              <a:defRPr>
+                <a:solidFill>
+                  <a:schemeClr val="tx2"/>
+                </a:solidFill>
+              </a:defRPr>
+            </a:lvl5pPr>
+            <a:lvl6pPr eaLnBrk="1" hangingPunct="1">
+              <a:defRPr>
+                <a:solidFill>
+                  <a:schemeClr val="tx2"/>
+                </a:solidFill>
+              </a:defRPr>
+            </a:lvl6pPr>
+            <a:lvl7pPr eaLnBrk="1" hangingPunct="1">
+              <a:defRPr>
+                <a:solidFill>
+                  <a:schemeClr val="tx2"/>
+                </a:solidFill>
+              </a:defRPr>
+            </a:lvl7pPr>
+            <a:lvl8pPr eaLnBrk="1" hangingPunct="1">
+              <a:defRPr>
+                <a:solidFill>
+                  <a:schemeClr val="tx2"/>
+                </a:solidFill>
+              </a:defRPr>
+            </a:lvl8pPr>
+            <a:lvl9pPr eaLnBrk="1" hangingPunct="1">
+              <a:defRPr>
+                <a:solidFill>
+                  <a:schemeClr val="tx2"/>
+                </a:solidFill>
+              </a:defRPr>
+            </a:lvl9pPr>
+          </a:lstStyle>
+          <a:p>
+            <a:r>
+              <a:rPr lang="en-US" altLang="zh-TW" dirty="0"/>
+              <a:t>Hoisting</a:t>
+            </a:r>
+            <a:endParaRPr lang="zh-TW" altLang="en-US" sz="1700" dirty="0"/>
           </a:p>
         </p:txBody>
       </p:sp>
@@ -16463,18 +15983,18 @@
         </p:nvSpPr>
         <p:spPr/>
         <p:txBody>
-          <a:bodyPr/>
+          <a:bodyPr>
+            <a:normAutofit/>
+          </a:bodyPr>
           <a:lstStyle/>
           <a:p>
             <a:r>
-              <a:rPr lang="en-US" altLang="zh-TW" dirty="0" smtClean="0"/>
-              <a:t>Safe Code</a:t>
-            </a:r>
-          </a:p>
-          <a:p>
+              <a:rPr lang="zh-TW" altLang="en-US" dirty="0"/>
+              <a:t>立即函</a:t>
+            </a:r>
             <a:r>
               <a:rPr lang="zh-TW" altLang="en-US" dirty="0" smtClean="0"/>
-              <a:t>立即函式</a:t>
+              <a:t>式</a:t>
             </a:r>
             <a:endParaRPr lang="en-US" altLang="zh-TW" dirty="0" smtClean="0"/>
           </a:p>
@@ -16487,6 +16007,9 @@
               <a:rPr lang="en-US" altLang="zh-TW" dirty="0" smtClean="0"/>
               <a:t>Closure</a:t>
             </a:r>
+          </a:p>
+          <a:p>
+            <a:endParaRPr lang="en-US" altLang="zh-TW" dirty="0" smtClean="0"/>
           </a:p>
           <a:p>
             <a:endParaRPr lang="en-US" altLang="zh-TW" dirty="0"/>
@@ -16589,8 +16112,8 @@
           <a:lstStyle/>
           <a:p>
             <a:r>
-              <a:rPr lang="en-US" altLang="zh-TW" dirty="0" smtClean="0"/>
-              <a:t>Scope</a:t>
+              <a:rPr lang="en-US" altLang="zh-TW" dirty="0"/>
+              <a:t>Closure</a:t>
             </a:r>
             <a:endParaRPr lang="zh-TW" altLang="en-US" dirty="0"/>
           </a:p>
@@ -16611,14 +16134,58 @@
           <a:bodyPr/>
           <a:lstStyle/>
           <a:p>
-            <a:endParaRPr lang="zh-TW" altLang="en-US" dirty="0"/>
+            <a:r>
+              <a:rPr lang="zh-TW" altLang="en-US" dirty="0"/>
+              <a:t>透過閉包讓 </a:t>
+            </a:r>
+            <a:r>
+              <a:rPr lang="en-US" altLang="zh-TW" dirty="0"/>
+              <a:t>function </a:t>
+            </a:r>
+            <a:r>
+              <a:rPr lang="zh-TW" altLang="en-US" dirty="0"/>
+              <a:t>能夠有 </a:t>
+            </a:r>
+            <a:r>
+              <a:rPr lang="en-US" altLang="zh-TW" dirty="0"/>
+              <a:t>private </a:t>
+            </a:r>
+            <a:r>
+              <a:rPr lang="zh-TW" altLang="en-US" dirty="0"/>
+              <a:t>變數</a:t>
+            </a:r>
+          </a:p>
+          <a:p>
+            <a:r>
+              <a:rPr lang="zh-TW" altLang="en-US" dirty="0" smtClean="0"/>
+              <a:t>讓程式碼變得更加安全</a:t>
+            </a:r>
+            <a:endParaRPr lang="en-US" altLang="zh-TW" dirty="0" smtClean="0"/>
+          </a:p>
+          <a:p>
+            <a:r>
+              <a:rPr lang="zh-TW" altLang="en-US" dirty="0"/>
+              <a:t>同一個 </a:t>
+            </a:r>
+            <a:r>
+              <a:rPr lang="en-US" altLang="zh-TW" dirty="0" smtClean="0"/>
+              <a:t>function</a:t>
+            </a:r>
+            <a:r>
+              <a:rPr lang="zh-TW" altLang="en-US" dirty="0" smtClean="0"/>
+              <a:t>，</a:t>
+            </a:r>
+            <a:r>
+              <a:rPr lang="zh-TW" altLang="en-US" dirty="0"/>
+              <a:t>變數間也都是獨立的執行環境不會干擾</a:t>
+            </a:r>
           </a:p>
         </p:txBody>
       </p:sp>
     </p:spTree>
     <p:extLst>
       <p:ext uri="{BB962C8B-B14F-4D97-AF65-F5344CB8AC3E}">
-        <p14:creationId xmlns:p14="http://schemas.microsoft.com/office/powerpoint/2010/main" val="646945580"/>
+        <p14:creationId xmlns:p14="http://schemas.microsoft.com/office/powerpoint/2010/main" val="655337044"/>
       </p:ext>
     </p:extLst>
   </p:cSld>
@@ -16664,12 +16231,26 @@
         </p:nvSpPr>
         <p:spPr/>
         <p:txBody>
-          <a:bodyPr/>
+          <a:bodyPr>
+            <a:normAutofit/>
+          </a:bodyPr>
           <a:lstStyle/>
           <a:p>
             <a:r>
+              <a:rPr lang="zh-TW" altLang="en-US" dirty="0" smtClean="0"/>
+              <a:t>函式與</a:t>
+            </a:r>
+            <a:r>
+              <a:rPr lang="zh-TW" altLang="en-US" dirty="0"/>
+              <a:t>「</a:t>
+            </a:r>
+            <a:r>
               <a:rPr lang="en-US" altLang="zh-TW" dirty="0"/>
-              <a:t>Closure</a:t>
+              <a:t>this</a:t>
+            </a:r>
+            <a:r>
+              <a:rPr lang="zh-TW" altLang="en-US" dirty="0" smtClean="0"/>
+              <a:t>」</a:t>
             </a:r>
             <a:endParaRPr lang="zh-TW" altLang="en-US" dirty="0"/>
           </a:p>
@@ -16690,50 +16271,45 @@
           <a:bodyPr/>
           <a:lstStyle/>
           <a:p>
+            <a:endParaRPr lang="en-US" altLang="zh-TW" dirty="0"/>
+          </a:p>
+          <a:p>
+            <a:endParaRPr lang="en-US" altLang="zh-TW" dirty="0" smtClean="0"/>
+          </a:p>
+          <a:p>
+            <a:endParaRPr lang="en-US" altLang="zh-TW" dirty="0" smtClean="0"/>
+          </a:p>
+          <a:p>
+            <a:pPr marL="0" indent="0">
+              <a:buNone/>
+            </a:pPr>
+            <a:r>
+              <a:rPr lang="en-US" altLang="zh-TW" dirty="0" smtClean="0"/>
+              <a:t>※</a:t>
+            </a:r>
+            <a:r>
+              <a:rPr lang="zh-TW" altLang="en-US" dirty="0" smtClean="0"/>
+              <a:t>影響</a:t>
+            </a:r>
+            <a:r>
+              <a:rPr lang="en-US" altLang="zh-TW" dirty="0" smtClean="0"/>
+              <a:t>this</a:t>
+            </a:r>
+            <a:r>
+              <a:rPr lang="zh-TW" altLang="en-US" dirty="0" smtClean="0"/>
+              <a:t>在於函</a:t>
+            </a:r>
             <a:r>
               <a:rPr lang="zh-TW" altLang="en-US" dirty="0"/>
-              <a:t>透過閉包讓 </a:t>
-            </a:r>
-            <a:r>
-              <a:rPr lang="en-US" altLang="zh-TW" dirty="0"/>
-              <a:t>function </a:t>
+              <a:t>式的呼叫方法</a:t>
+            </a:r>
+            <a:r>
+              <a:rPr lang="zh-TW" altLang="en-US" dirty="0" smtClean="0"/>
+              <a:t>，而非</a:t>
             </a:r>
             <a:r>
               <a:rPr lang="zh-TW" altLang="en-US" dirty="0"/>
-              <a:t>能夠有 </a:t>
-            </a:r>
-            <a:r>
-              <a:rPr lang="en-US" altLang="zh-TW" dirty="0"/>
-              <a:t>private </a:t>
-            </a:r>
-            <a:r>
-              <a:rPr lang="zh-TW" altLang="en-US" dirty="0"/>
-              <a:t>變數</a:t>
-            </a:r>
-          </a:p>
-          <a:p>
-            <a:r>
-              <a:rPr lang="zh-TW" altLang="en-US" dirty="0" smtClean="0"/>
-              <a:t>讓程式碼變得更加安全</a:t>
-            </a:r>
-            <a:endParaRPr lang="en-US" altLang="zh-TW" dirty="0" smtClean="0"/>
-          </a:p>
-          <a:p>
-            <a:r>
-              <a:rPr lang="zh-TW" altLang="en-US" dirty="0"/>
-              <a:t>同一個 </a:t>
-            </a:r>
-            <a:r>
-              <a:rPr lang="en-US" altLang="zh-TW" dirty="0" smtClean="0"/>
-              <a:t>function</a:t>
-            </a:r>
-            <a:r>
-              <a:rPr lang="zh-TW" altLang="en-US" dirty="0" smtClean="0"/>
-              <a:t>，</a:t>
-            </a:r>
-            <a:r>
-              <a:rPr lang="zh-TW" altLang="en-US" dirty="0"/>
-              <a:t>變數間也都是獨立的執行環境不會干擾</a:t>
+              <a:t>宣告的時機</a:t>
             </a:r>
           </a:p>
         </p:txBody>
@@ -16741,7 +16317,7 @@
     </p:spTree>
     <p:extLst>
       <p:ext uri="{BB962C8B-B14F-4D97-AF65-F5344CB8AC3E}">
-        <p14:creationId xmlns:p14="http://schemas.microsoft.com/office/powerpoint/2010/main" val="655337044"/>
+        <p14:creationId xmlns:p14="http://schemas.microsoft.com/office/powerpoint/2010/main" val="2349388064"/>
       </p:ext>
     </p:extLst>
   </p:cSld>
@@ -16787,26 +16363,28 @@
         </p:nvSpPr>
         <p:spPr/>
         <p:txBody>
-          <a:bodyPr>
-            <a:normAutofit/>
-          </a:bodyPr>
+          <a:bodyPr/>
           <a:lstStyle/>
           <a:p>
             <a:r>
-              <a:rPr lang="zh-TW" altLang="en-US" dirty="0" smtClean="0"/>
-              <a:t>函式與</a:t>
+              <a:rPr lang="en-US" altLang="zh-TW" dirty="0"/>
+              <a:t>apply()</a:t>
             </a:r>
             <a:r>
               <a:rPr lang="zh-TW" altLang="en-US" dirty="0"/>
-              <a:t>「</a:t>
+              <a:t>、</a:t>
             </a:r>
             <a:r>
               <a:rPr lang="en-US" altLang="zh-TW" dirty="0"/>
-              <a:t>this</a:t>
-            </a:r>
-            <a:r>
-              <a:rPr lang="zh-TW" altLang="en-US" dirty="0" smtClean="0"/>
-              <a:t>」</a:t>
+              <a:t>bind()</a:t>
+            </a:r>
+            <a:r>
+              <a:rPr lang="zh-TW" altLang="en-US" dirty="0"/>
+              <a:t>、</a:t>
+            </a:r>
+            <a:r>
+              <a:rPr lang="en-US" altLang="zh-TW" dirty="0"/>
+              <a:t>call()</a:t>
             </a:r>
             <a:endParaRPr lang="zh-TW" altLang="en-US" dirty="0"/>
           </a:p>
@@ -16827,59 +16405,99 @@
           <a:bodyPr/>
           <a:lstStyle/>
           <a:p>
-            <a:endParaRPr lang="en-US" altLang="zh-TW" dirty="0" smtClean="0"/>
-          </a:p>
-          <a:p>
-            <a:endParaRPr lang="en-US" altLang="zh-TW" dirty="0"/>
-          </a:p>
-          <a:p>
-            <a:endParaRPr lang="en-US" altLang="zh-TW" dirty="0" smtClean="0"/>
-          </a:p>
-          <a:p>
-            <a:endParaRPr lang="en-US" altLang="zh-TW" dirty="0"/>
-          </a:p>
-          <a:p>
-            <a:endParaRPr lang="en-US" altLang="zh-TW" dirty="0" smtClean="0"/>
-          </a:p>
-          <a:p>
-            <a:pPr marL="0" indent="0">
-              <a:buNone/>
-            </a:pPr>
-            <a:r>
-              <a:rPr lang="en-US" altLang="zh-TW" dirty="0" smtClean="0"/>
-              <a:t>※</a:t>
-            </a:r>
-            <a:r>
-              <a:rPr lang="zh-TW" altLang="en-US" dirty="0" smtClean="0"/>
-              <a:t>影響</a:t>
+            <a:r>
+              <a:rPr lang="zh-TW" altLang="en-US" dirty="0"/>
+              <a:t>明確指定 </a:t>
             </a:r>
             <a:r>
               <a:rPr lang="en-US" altLang="zh-TW" dirty="0" smtClean="0"/>
               <a:t>this</a:t>
             </a:r>
+          </a:p>
+          <a:p>
             <a:r>
               <a:rPr lang="zh-TW" altLang="en-US" dirty="0" smtClean="0"/>
-              <a:t>在於函</a:t>
+              <a:t>執行 </a:t>
+            </a:r>
+            <a:r>
+              <a:rPr lang="en-US" altLang="zh-TW" dirty="0" smtClean="0"/>
+              <a:t>function(bind</a:t>
             </a:r>
             <a:r>
               <a:rPr lang="zh-TW" altLang="en-US" dirty="0"/>
-              <a:t>式的呼叫方法</a:t>
-            </a:r>
-            <a:r>
-              <a:rPr lang="zh-TW" altLang="en-US" dirty="0" smtClean="0"/>
-              <a:t>，而非</a:t>
+              <a:t>不是</a:t>
+            </a:r>
+            <a:r>
+              <a:rPr lang="en-US" altLang="zh-TW" dirty="0" smtClean="0"/>
+              <a:t>)</a:t>
+            </a:r>
+            <a:endParaRPr lang="en-US" altLang="zh-TW" dirty="0"/>
+          </a:p>
+          <a:p>
+            <a:endParaRPr lang="en-US" altLang="zh-TW" dirty="0" smtClean="0"/>
+          </a:p>
+          <a:p>
+            <a:endParaRPr lang="en-US" altLang="zh-TW" dirty="0" smtClean="0"/>
+          </a:p>
+          <a:p>
+            <a:r>
+              <a:rPr lang="en-US" altLang="zh-TW" dirty="0"/>
+              <a:t>call</a:t>
             </a:r>
             <a:r>
               <a:rPr lang="zh-TW" altLang="en-US" dirty="0"/>
-              <a:t>宣告的時機</a:t>
-            </a:r>
+              <a:t>、</a:t>
+            </a:r>
+            <a:r>
+              <a:rPr lang="en-US" altLang="zh-TW" dirty="0"/>
+              <a:t>apply</a:t>
+            </a:r>
+            <a:r>
+              <a:rPr lang="zh-TW" altLang="en-US" dirty="0"/>
+              <a:t>皆是回傳</a:t>
+            </a:r>
+            <a:r>
+              <a:rPr lang="en-US" altLang="zh-TW" dirty="0"/>
+              <a:t>function</a:t>
+            </a:r>
+            <a:r>
+              <a:rPr lang="zh-TW" altLang="en-US" dirty="0"/>
+              <a:t>執行結果</a:t>
+            </a:r>
+          </a:p>
+          <a:p>
+            <a:r>
+              <a:rPr lang="en-US" altLang="zh-TW" dirty="0"/>
+              <a:t>bind</a:t>
+            </a:r>
+            <a:r>
+              <a:rPr lang="zh-TW" altLang="en-US" dirty="0"/>
+              <a:t>方法回傳的是綁定 </a:t>
+            </a:r>
+            <a:r>
+              <a:rPr lang="en-US" altLang="zh-TW" dirty="0"/>
+              <a:t>this </a:t>
+            </a:r>
+            <a:r>
+              <a:rPr lang="zh-TW" altLang="en-US" dirty="0"/>
+              <a:t>後的</a:t>
+            </a:r>
+            <a:r>
+              <a:rPr lang="zh-TW" altLang="en-US" b="1" dirty="0"/>
+              <a:t>原</a:t>
+            </a:r>
+            <a:r>
+              <a:rPr lang="zh-TW" altLang="en-US" b="1" dirty="0" smtClean="0"/>
+              <a:t>函數</a:t>
+            </a:r>
+            <a:endParaRPr lang="zh-TW" altLang="en-US" dirty="0"/>
           </a:p>
         </p:txBody>
       </p:sp>
     </p:spTree>
     <p:extLst>
       <p:ext uri="{BB962C8B-B14F-4D97-AF65-F5344CB8AC3E}">
-        <p14:creationId xmlns:p14="http://schemas.microsoft.com/office/powerpoint/2010/main" val="2349388064"/>
+        <p14:creationId xmlns:p14="http://schemas.microsoft.com/office/powerpoint/2010/main" val="3582797895"/>
       </p:ext>
     </p:extLst>
   </p:cSld>
@@ -16923,30 +16541,30 @@
             <p:ph type="title"/>
           </p:nvPr>
         </p:nvSpPr>
-        <p:spPr/>
+        <p:spPr>
+          <a:xfrm>
+            <a:off x="467544" y="332656"/>
+            <a:ext cx="8208912" cy="1143000"/>
+          </a:xfrm>
+        </p:spPr>
         <p:txBody>
-          <a:bodyPr/>
+          <a:bodyPr>
+            <a:normAutofit/>
+          </a:bodyPr>
           <a:lstStyle/>
           <a:p>
+            <a:pPr algn="ctr"/>
             <a:r>
               <a:rPr lang="en-US" altLang="zh-TW" dirty="0"/>
-              <a:t>apply()</a:t>
+              <a:t>__proto__</a:t>
             </a:r>
             <a:r>
               <a:rPr lang="zh-TW" altLang="en-US" dirty="0"/>
               <a:t>、</a:t>
             </a:r>
             <a:r>
-              <a:rPr lang="en-US" altLang="zh-TW" dirty="0"/>
-              <a:t>bind()</a:t>
-            </a:r>
-            <a:r>
-              <a:rPr lang="zh-TW" altLang="en-US" dirty="0"/>
-              <a:t>、</a:t>
-            </a:r>
-            <a:r>
-              <a:rPr lang="en-US" altLang="zh-TW" dirty="0"/>
-              <a:t>call()</a:t>
+              <a:rPr lang="en-US" altLang="zh-TW" dirty="0" smtClean="0"/>
+              <a:t>prototype</a:t>
             </a:r>
             <a:endParaRPr lang="zh-TW" altLang="en-US" dirty="0"/>
           </a:p>
@@ -16968,89 +16586,75 @@
           <a:lstStyle/>
           <a:p>
             <a:r>
+              <a:rPr lang="en-US" altLang="zh-TW" dirty="0" smtClean="0"/>
+              <a:t>__proto__ </a:t>
+            </a:r>
+            <a:r>
+              <a:rPr lang="zh-TW" altLang="en-US" dirty="0" smtClean="0"/>
+              <a:t>：指的是原型</a:t>
+            </a:r>
+            <a:r>
               <a:rPr lang="zh-TW" altLang="en-US" dirty="0"/>
-              <a:t>執行 </a:t>
+              <a:t>串</a:t>
             </a:r>
             <a:r>
               <a:rPr lang="en-US" altLang="zh-TW" dirty="0" smtClean="0"/>
-              <a:t>function(bind</a:t>
+              <a:t>”</a:t>
+            </a:r>
+            <a:r>
+              <a:rPr lang="zh-TW" altLang="en-US" dirty="0" smtClean="0"/>
+              <a:t>鍊</a:t>
+            </a:r>
+            <a:r>
+              <a:rPr lang="en-US" altLang="zh-TW" dirty="0" smtClean="0"/>
+              <a:t>”</a:t>
+            </a:r>
+            <a:r>
+              <a:rPr lang="zh-TW" altLang="en-US" dirty="0" smtClean="0"/>
+              <a:t> （</a:t>
+            </a:r>
+            <a:r>
+              <a:rPr lang="en-US" altLang="zh-TW" dirty="0"/>
+              <a:t>prototype chain</a:t>
             </a:r>
             <a:r>
               <a:rPr lang="zh-TW" altLang="en-US" dirty="0"/>
-              <a:t>不是</a:t>
+              <a:t>）</a:t>
+            </a:r>
+            <a:r>
+              <a:rPr lang="zh-TW" altLang="en-US" dirty="0" smtClean="0"/>
+              <a:t>，類似關係。</a:t>
+            </a:r>
+            <a:endParaRPr lang="en-US" altLang="zh-TW" dirty="0" smtClean="0"/>
+          </a:p>
+          <a:p>
+            <a:r>
+              <a:rPr lang="en-US" altLang="zh-TW" dirty="0"/>
+              <a:t>p</a:t>
             </a:r>
             <a:r>
               <a:rPr lang="en-US" altLang="zh-TW" dirty="0" smtClean="0"/>
-              <a:t>)</a:t>
-            </a:r>
-            <a:endParaRPr lang="en-US" altLang="zh-TW" dirty="0"/>
-          </a:p>
-          <a:p>
-            <a:r>
-              <a:rPr lang="zh-TW" altLang="en-US" dirty="0"/>
-              <a:t>明確指定 </a:t>
+              <a:t>rototype</a:t>
+            </a:r>
+            <a:r>
+              <a:rPr lang="zh-TW" altLang="en-US" dirty="0" smtClean="0"/>
+              <a:t>：真正的</a:t>
             </a:r>
             <a:r>
               <a:rPr lang="en-US" altLang="zh-TW" dirty="0" smtClean="0"/>
-              <a:t>this</a:t>
-            </a:r>
-          </a:p>
-          <a:p>
-            <a:endParaRPr lang="en-US" altLang="zh-TW" dirty="0" smtClean="0"/>
-          </a:p>
-          <a:p>
-            <a:endParaRPr lang="en-US" altLang="zh-TW" dirty="0" smtClean="0"/>
-          </a:p>
-          <a:p>
-            <a:r>
-              <a:rPr lang="en-US" altLang="zh-TW" dirty="0"/>
-              <a:t>call</a:t>
-            </a:r>
-            <a:r>
-              <a:rPr lang="zh-TW" altLang="en-US" dirty="0"/>
-              <a:t>、</a:t>
-            </a:r>
-            <a:r>
-              <a:rPr lang="en-US" altLang="zh-TW" dirty="0"/>
-              <a:t>apply</a:t>
-            </a:r>
-            <a:r>
-              <a:rPr lang="zh-TW" altLang="en-US" dirty="0"/>
-              <a:t>皆是回傳</a:t>
-            </a:r>
-            <a:r>
-              <a:rPr lang="en-US" altLang="zh-TW" dirty="0"/>
-              <a:t>function</a:t>
-            </a:r>
-            <a:r>
-              <a:rPr lang="zh-TW" altLang="en-US" dirty="0"/>
-              <a:t>執行結果</a:t>
-            </a:r>
-          </a:p>
-          <a:p>
-            <a:r>
-              <a:rPr lang="en-US" altLang="zh-TW" dirty="0"/>
-              <a:t>bind</a:t>
-            </a:r>
-            <a:r>
-              <a:rPr lang="zh-TW" altLang="en-US" dirty="0"/>
-              <a:t>方法回傳的是綁定 </a:t>
-            </a:r>
-            <a:r>
-              <a:rPr lang="en-US" altLang="zh-TW" dirty="0"/>
-              <a:t>this </a:t>
-            </a:r>
-            <a:r>
-              <a:rPr lang="zh-TW" altLang="en-US" dirty="0"/>
-              <a:t>後的</a:t>
-            </a:r>
-            <a:r>
-              <a:rPr lang="zh-TW" altLang="en-US" b="1" dirty="0"/>
-              <a:t>原</a:t>
-            </a:r>
-            <a:r>
-              <a:rPr lang="zh-TW" altLang="en-US" b="1" dirty="0" smtClean="0"/>
-              <a:t>函數</a:t>
+              <a:t>”</a:t>
+            </a:r>
+            <a:r>
+              <a:rPr lang="zh-TW" altLang="en-US" dirty="0" smtClean="0"/>
+              <a:t>原型</a:t>
+            </a:r>
+            <a:r>
+              <a:rPr lang="en-US" altLang="zh-TW" dirty="0" smtClean="0"/>
+              <a:t>”object</a:t>
+            </a:r>
+            <a:r>
+              <a:rPr lang="zh-TW" altLang="en-US" dirty="0" smtClean="0"/>
+              <a:t>。</a:t>
             </a:r>
             <a:endParaRPr lang="zh-TW" altLang="en-US" dirty="0"/>
           </a:p>
@@ -17059,7 +16663,7 @@
     </p:spTree>
     <p:extLst>
       <p:ext uri="{BB962C8B-B14F-4D97-AF65-F5344CB8AC3E}">
-        <p14:creationId xmlns:p14="http://schemas.microsoft.com/office/powerpoint/2010/main" val="3582797895"/>
+        <p14:creationId xmlns:p14="http://schemas.microsoft.com/office/powerpoint/2010/main" val="3011972774"/>
       </p:ext>
     </p:extLst>
   </p:cSld>
@@ -17103,30 +16707,18 @@
             <p:ph type="title"/>
           </p:nvPr>
         </p:nvSpPr>
-        <p:spPr>
-          <a:xfrm>
-            <a:off x="467544" y="332656"/>
-            <a:ext cx="8208912" cy="1143000"/>
-          </a:xfrm>
-        </p:spPr>
+        <p:spPr/>
         <p:txBody>
-          <a:bodyPr>
-            <a:normAutofit/>
-          </a:bodyPr>
+          <a:bodyPr/>
           <a:lstStyle/>
           <a:p>
-            <a:pPr algn="ctr"/>
-            <a:r>
-              <a:rPr lang="en-US" altLang="zh-TW" dirty="0"/>
-              <a:t>__proto__</a:t>
-            </a:r>
             <a:r>
               <a:rPr lang="zh-TW" altLang="en-US" dirty="0"/>
-              <a:t>、</a:t>
-            </a:r>
-            <a:r>
-              <a:rPr lang="en-US" altLang="zh-TW" dirty="0" smtClean="0"/>
-              <a:t>prototype</a:t>
+              <a:t>好物</a:t>
+            </a:r>
+            <a:r>
+              <a:rPr lang="zh-TW" altLang="en-US" dirty="0" smtClean="0"/>
+              <a:t>介紹</a:t>
             </a:r>
             <a:endParaRPr lang="zh-TW" altLang="en-US" dirty="0"/>
           </a:p>
@@ -17144,80 +16736,117 @@
         </p:nvSpPr>
         <p:spPr/>
         <p:txBody>
-          <a:bodyPr/>
+          <a:bodyPr>
+            <a:normAutofit fontScale="70000" lnSpcReduction="20000"/>
+          </a:bodyPr>
           <a:lstStyle/>
           <a:p>
             <a:r>
+              <a:rPr lang="zh-TW" altLang="zh-TW" dirty="0"/>
+              <a:t>Babel </a:t>
+            </a:r>
+            <a:r>
               <a:rPr lang="en-US" altLang="zh-TW" dirty="0" smtClean="0"/>
-              <a:t>__proto__ </a:t>
+              <a:t>(</a:t>
             </a:r>
             <a:r>
               <a:rPr lang="zh-TW" altLang="en-US" dirty="0" smtClean="0"/>
-              <a:t>：指的是原型</a:t>
-            </a:r>
+              <a:t>編譯器</a:t>
+            </a:r>
+            <a:r>
+              <a:rPr lang="en-US" altLang="zh-TW" dirty="0" smtClean="0"/>
+              <a:t>)</a:t>
+            </a:r>
+          </a:p>
+          <a:p>
+            <a:pPr marL="68580" indent="0">
+              <a:buNone/>
+            </a:pPr>
+            <a:r>
+              <a:rPr lang="zh-TW" altLang="en-US" dirty="0" smtClean="0"/>
+              <a:t>官方網站：</a:t>
+            </a:r>
+            <a:r>
+              <a:rPr lang="en-US" altLang="zh-TW" dirty="0" smtClean="0"/>
+              <a:t/>
+            </a:r>
+            <a:br>
+              <a:rPr lang="en-US" altLang="zh-TW" dirty="0" smtClean="0"/>
+            </a:br>
+            <a:r>
+              <a:rPr lang="en-US" altLang="zh-TW" dirty="0">
+                <a:hlinkClick r:id="rId2"/>
+              </a:rPr>
+              <a:t>https://babeljs.io</a:t>
+            </a:r>
+            <a:r>
+              <a:rPr lang="en-US" altLang="zh-TW" dirty="0" smtClean="0">
+                <a:hlinkClick r:id="rId2"/>
+              </a:rPr>
+              <a:t>/</a:t>
+            </a:r>
+            <a:endParaRPr lang="en-US" altLang="zh-TW" dirty="0" smtClean="0"/>
+          </a:p>
+          <a:p>
+            <a:pPr marL="68580" indent="0">
+              <a:buNone/>
+            </a:pPr>
             <a:r>
               <a:rPr lang="zh-TW" altLang="en-US" dirty="0"/>
-              <a:t>串</a:t>
+              <a:t>線上</a:t>
+            </a:r>
+            <a:r>
+              <a:rPr lang="zh-TW" altLang="en-US" dirty="0" smtClean="0"/>
+              <a:t>編譯器：</a:t>
             </a:r>
             <a:r>
               <a:rPr lang="en-US" altLang="zh-TW" dirty="0" smtClean="0"/>
-              <a:t>”</a:t>
-            </a:r>
-            <a:r>
-              <a:rPr lang="zh-TW" altLang="en-US" dirty="0" smtClean="0"/>
-              <a:t>鍊</a:t>
-            </a:r>
-            <a:r>
+              <a:t/>
+            </a:r>
+            <a:br>
               <a:rPr lang="en-US" altLang="zh-TW" dirty="0" smtClean="0"/>
-              <a:t>”</a:t>
-            </a:r>
-            <a:r>
-              <a:rPr lang="zh-TW" altLang="en-US" dirty="0" smtClean="0"/>
-              <a:t> （</a:t>
-            </a:r>
-            <a:r>
-              <a:rPr lang="en-US" altLang="zh-TW" dirty="0"/>
-              <a:t>prototype chain</a:t>
-            </a:r>
-            <a:r>
-              <a:rPr lang="zh-TW" altLang="en-US" dirty="0"/>
-              <a:t>）</a:t>
-            </a:r>
-            <a:r>
-              <a:rPr lang="zh-TW" altLang="en-US" dirty="0" smtClean="0"/>
-              <a:t>，類似關係。</a:t>
-            </a:r>
-            <a:endParaRPr lang="en-US" altLang="zh-TW" dirty="0" smtClean="0"/>
-          </a:p>
-          <a:p>
-            <a:r>
-              <a:rPr lang="en-US" altLang="zh-TW" dirty="0"/>
-              <a:t>p</a:t>
-            </a:r>
+            </a:br>
+            <a:r>
+              <a:rPr lang="en-US" altLang="zh-TW" dirty="0">
+                <a:hlinkClick r:id="rId3"/>
+              </a:rPr>
+              <a:t>https://babeljs.io/repl/#?babili=false&amp;browsers=&amp;build=&amp;builtIns=false&amp;spec=false&amp;loose=false&amp;code_lz=Q&amp;debug=false&amp;forceAllTransforms=false&amp;shippedProposals=false&amp;circleciRepo=&amp;evaluate=false&amp;fileSize=false&amp;timeTravel=false&amp;sourceType=module&amp;lineWrap=true&amp;presets=es2015%2Creact%2Cstage-2&amp;prettier=false&amp;targets=&amp;version=7.6.0&amp;externalPlugins=</a:t>
+            </a:r>
+            <a:endParaRPr lang="en-US" altLang="zh-TW" dirty="0"/>
+          </a:p>
+          <a:p>
+            <a:pPr marL="68580" indent="0">
+              <a:buNone/>
+            </a:pPr>
             <a:r>
               <a:rPr lang="en-US" altLang="zh-TW" dirty="0" smtClean="0"/>
-              <a:t>rototype</a:t>
-            </a:r>
-            <a:r>
-              <a:rPr lang="zh-TW" altLang="en-US" dirty="0" smtClean="0"/>
-              <a:t>：真正的</a:t>
-            </a:r>
-            <a:r>
+              <a:t/>
+            </a:r>
+            <a:br>
               <a:rPr lang="en-US" altLang="zh-TW" dirty="0" smtClean="0"/>
-              <a:t>”</a:t>
-            </a:r>
-            <a:r>
-              <a:rPr lang="zh-TW" altLang="en-US" dirty="0" smtClean="0"/>
-              <a:t>原型</a:t>
+            </a:br>
+            <a:r>
+              <a:rPr lang="en-US" altLang="zh-TW" dirty="0">
+                <a:hlinkClick r:id="rId4"/>
+              </a:rPr>
+              <a:t>https://</a:t>
+            </a:r>
+            <a:r>
+              <a:rPr lang="en-US" altLang="zh-TW" dirty="0" smtClean="0">
+                <a:hlinkClick r:id="rId4"/>
+              </a:rPr>
+              <a:t>github.com/jamiebuilds/babel-handbook/blob/master/translations/zh-Hant/user-handbook.md</a:t>
             </a:r>
             <a:r>
               <a:rPr lang="en-US" altLang="zh-TW" dirty="0" smtClean="0"/>
-              <a:t>”object</a:t>
-            </a:r>
-            <a:r>
-              <a:rPr lang="zh-TW" altLang="en-US" dirty="0" smtClean="0"/>
-              <a:t>。</a:t>
-            </a:r>
+              <a:t/>
+            </a:r>
+            <a:br>
+              <a:rPr lang="en-US" altLang="zh-TW" dirty="0" smtClean="0"/>
+            </a:br>
+            <a:endParaRPr lang="zh-TW" altLang="zh-TW" dirty="0"/>
+          </a:p>
+          <a:p>
             <a:endParaRPr lang="zh-TW" altLang="en-US" dirty="0"/>
           </a:p>
         </p:txBody>
@@ -17225,7 +16854,7 @@
     </p:spTree>
     <p:extLst>
       <p:ext uri="{BB962C8B-B14F-4D97-AF65-F5344CB8AC3E}">
-        <p14:creationId xmlns:p14="http://schemas.microsoft.com/office/powerpoint/2010/main" val="3011972774"/>
+        <p14:creationId xmlns:p14="http://schemas.microsoft.com/office/powerpoint/2010/main" val="1619215608"/>
       </p:ext>
     </p:extLst>
   </p:cSld>
